--- a/Metodos de ordenamiento.pptx
+++ b/Metodos de ordenamiento.pptx
@@ -9,6 +9,12 @@
     <p:sldId id="258" r:id="rId3"/>
     <p:sldId id="259" r:id="rId4"/>
     <p:sldId id="260" r:id="rId5"/>
+    <p:sldId id="261" r:id="rId6"/>
+    <p:sldId id="262" r:id="rId7"/>
+    <p:sldId id="263" r:id="rId8"/>
+    <p:sldId id="264" r:id="rId9"/>
+    <p:sldId id="265" r:id="rId10"/>
+    <p:sldId id="266" r:id="rId11"/>
   </p:sldIdLst>
   <p:sldSz cx="12192000" cy="6858000"/>
   <p:notesSz cx="6858000" cy="9144000"/>
@@ -107,6 +113,11 @@
       </a:defRPr>
     </a:lvl9pPr>
   </p:defaultTextStyle>
+  <p:extLst>
+    <p:ext uri="{EFAFB233-063F-42B5-8137-9DF3F51BA10A}">
+      <p15:sldGuideLst xmlns:p15="http://schemas.microsoft.com/office/powerpoint/2012/main"/>
+    </p:ext>
+  </p:extLst>
 </p:presentation>
 </file>
 
@@ -323,7 +334,7 @@
           <a:p>
             <a:fld id="{148AABA8-0A81-4589-86FF-FA135D93EB34}" type="datetimeFigureOut">
               <a:rPr lang="en-US" smtClean="0"/>
-              <a:t>8/16/2020</a:t>
+              <a:t>8/17/2020</a:t>
             </a:fld>
             <a:endParaRPr lang="en-US"/>
           </a:p>
@@ -614,7 +625,7 @@
           <a:p>
             <a:fld id="{148AABA8-0A81-4589-86FF-FA135D93EB34}" type="datetimeFigureOut">
               <a:rPr lang="en-US" smtClean="0"/>
-              <a:t>8/16/2020</a:t>
+              <a:t>8/17/2020</a:t>
             </a:fld>
             <a:endParaRPr lang="en-US"/>
           </a:p>
@@ -873,7 +884,7 @@
           <a:p>
             <a:fld id="{148AABA8-0A81-4589-86FF-FA135D93EB34}" type="datetimeFigureOut">
               <a:rPr lang="en-US" smtClean="0"/>
-              <a:t>8/16/2020</a:t>
+              <a:t>8/17/2020</a:t>
             </a:fld>
             <a:endParaRPr lang="en-US"/>
           </a:p>
@@ -1342,7 +1353,7 @@
           <a:p>
             <a:fld id="{148AABA8-0A81-4589-86FF-FA135D93EB34}" type="datetimeFigureOut">
               <a:rPr lang="en-US" smtClean="0"/>
-              <a:t>8/16/2020</a:t>
+              <a:t>8/17/2020</a:t>
             </a:fld>
             <a:endParaRPr lang="en-US"/>
           </a:p>
@@ -1522,7 +1533,7 @@
           <a:p>
             <a:fld id="{148AABA8-0A81-4589-86FF-FA135D93EB34}" type="datetimeFigureOut">
               <a:rPr lang="en-US" smtClean="0"/>
-              <a:t>8/16/2020</a:t>
+              <a:t>8/17/2020</a:t>
             </a:fld>
             <a:endParaRPr lang="en-US"/>
           </a:p>
@@ -2098,7 +2109,7 @@
           <a:p>
             <a:fld id="{148AABA8-0A81-4589-86FF-FA135D93EB34}" type="datetimeFigureOut">
               <a:rPr lang="en-US" smtClean="0"/>
-              <a:t>8/16/2020</a:t>
+              <a:t>8/17/2020</a:t>
             </a:fld>
             <a:endParaRPr lang="en-US"/>
           </a:p>
@@ -2430,7 +2441,7 @@
           <a:p>
             <a:fld id="{148AABA8-0A81-4589-86FF-FA135D93EB34}" type="datetimeFigureOut">
               <a:rPr lang="en-US" smtClean="0"/>
-              <a:t>8/16/2020</a:t>
+              <a:t>8/17/2020</a:t>
             </a:fld>
             <a:endParaRPr lang="en-US"/>
           </a:p>
@@ -2605,7 +2616,7 @@
           <a:p>
             <a:fld id="{148AABA8-0A81-4589-86FF-FA135D93EB34}" type="datetimeFigureOut">
               <a:rPr lang="en-US" smtClean="0"/>
-              <a:t>8/16/2020</a:t>
+              <a:t>8/17/2020</a:t>
             </a:fld>
             <a:endParaRPr lang="en-US"/>
           </a:p>
@@ -2785,7 +2796,7 @@
           <a:p>
             <a:fld id="{148AABA8-0A81-4589-86FF-FA135D93EB34}" type="datetimeFigureOut">
               <a:rPr lang="en-US" smtClean="0"/>
-              <a:t>8/16/2020</a:t>
+              <a:t>8/17/2020</a:t>
             </a:fld>
             <a:endParaRPr lang="en-US"/>
           </a:p>
@@ -2955,7 +2966,7 @@
           <a:p>
             <a:fld id="{148AABA8-0A81-4589-86FF-FA135D93EB34}" type="datetimeFigureOut">
               <a:rPr lang="en-US" smtClean="0"/>
-              <a:t>8/16/2020</a:t>
+              <a:t>8/17/2020</a:t>
             </a:fld>
             <a:endParaRPr lang="en-US"/>
           </a:p>
@@ -3212,7 +3223,7 @@
           <a:p>
             <a:fld id="{148AABA8-0A81-4589-86FF-FA135D93EB34}" type="datetimeFigureOut">
               <a:rPr lang="en-US" smtClean="0"/>
-              <a:t>8/16/2020</a:t>
+              <a:t>8/17/2020</a:t>
             </a:fld>
             <a:endParaRPr lang="en-US"/>
           </a:p>
@@ -3504,7 +3515,7 @@
           <a:p>
             <a:fld id="{148AABA8-0A81-4589-86FF-FA135D93EB34}" type="datetimeFigureOut">
               <a:rPr lang="en-US" smtClean="0"/>
-              <a:t>8/16/2020</a:t>
+              <a:t>8/17/2020</a:t>
             </a:fld>
             <a:endParaRPr lang="en-US"/>
           </a:p>
@@ -3934,7 +3945,7 @@
           <a:p>
             <a:fld id="{148AABA8-0A81-4589-86FF-FA135D93EB34}" type="datetimeFigureOut">
               <a:rPr lang="en-US" smtClean="0"/>
-              <a:t>8/16/2020</a:t>
+              <a:t>8/17/2020</a:t>
             </a:fld>
             <a:endParaRPr lang="en-US"/>
           </a:p>
@@ -4052,7 +4063,7 @@
           <a:p>
             <a:fld id="{148AABA8-0A81-4589-86FF-FA135D93EB34}" type="datetimeFigureOut">
               <a:rPr lang="en-US" smtClean="0"/>
-              <a:t>8/16/2020</a:t>
+              <a:t>8/17/2020</a:t>
             </a:fld>
             <a:endParaRPr lang="en-US"/>
           </a:p>
@@ -4147,7 +4158,7 @@
           <a:p>
             <a:fld id="{148AABA8-0A81-4589-86FF-FA135D93EB34}" type="datetimeFigureOut">
               <a:rPr lang="en-US" smtClean="0"/>
-              <a:t>8/16/2020</a:t>
+              <a:t>8/17/2020</a:t>
             </a:fld>
             <a:endParaRPr lang="en-US"/>
           </a:p>
@@ -4430,7 +4441,7 @@
           <a:p>
             <a:fld id="{148AABA8-0A81-4589-86FF-FA135D93EB34}" type="datetimeFigureOut">
               <a:rPr lang="en-US" smtClean="0"/>
-              <a:t>8/16/2020</a:t>
+              <a:t>8/17/2020</a:t>
             </a:fld>
             <a:endParaRPr lang="en-US"/>
           </a:p>
@@ -4721,7 +4732,7 @@
           <a:p>
             <a:fld id="{148AABA8-0A81-4589-86FF-FA135D93EB34}" type="datetimeFigureOut">
               <a:rPr lang="en-US" smtClean="0"/>
-              <a:t>8/16/2020</a:t>
+              <a:t>8/17/2020</a:t>
             </a:fld>
             <a:endParaRPr lang="en-US"/>
           </a:p>
@@ -4952,7 +4963,7 @@
           <a:p>
             <a:fld id="{148AABA8-0A81-4589-86FF-FA135D93EB34}" type="datetimeFigureOut">
               <a:rPr lang="en-US" smtClean="0"/>
-              <a:t>8/16/2020</a:t>
+              <a:t>8/17/2020</a:t>
             </a:fld>
             <a:endParaRPr lang="en-US"/>
           </a:p>
@@ -6151,8 +6162,24 @@
               <a:t>Alumnos: </a:t>
             </a:r>
             <a:r>
+              <a:rPr lang="es-AR" b="1" dirty="0" smtClean="0"/>
+              <a:t> </a:t>
+            </a:r>
+            <a:r>
               <a:rPr lang="es-AR" dirty="0" smtClean="0"/>
-              <a:t>Garcia José Elias, 		   Giménez Nahuel Leandro</a:t>
+              <a:t>Garcia </a:t>
+            </a:r>
+            <a:r>
+              <a:rPr lang="es-AR" dirty="0" smtClean="0"/>
+              <a:t>José Elias, 		   </a:t>
+            </a:r>
+            <a:r>
+              <a:rPr lang="es-AR" dirty="0" smtClean="0"/>
+              <a:t> Giménez </a:t>
+            </a:r>
+            <a:r>
+              <a:rPr lang="es-AR" dirty="0" smtClean="0"/>
+              <a:t>Nahuel Leandro</a:t>
             </a:r>
             <a:endParaRPr lang="en-US" dirty="0"/>
           </a:p>
@@ -6162,6 +6189,1863 @@
     <p:extLst>
       <p:ext uri="{BB962C8B-B14F-4D97-AF65-F5344CB8AC3E}">
         <p14:creationId xmlns:p14="http://schemas.microsoft.com/office/powerpoint/2010/main" val="2584695712"/>
+      </p:ext>
+    </p:extLst>
+  </p:cSld>
+  <p:clrMapOvr>
+    <a:masterClrMapping/>
+  </p:clrMapOvr>
+  <p:timing>
+    <p:tnLst>
+      <p:par>
+        <p:cTn id="1" dur="indefinite" restart="never" nodeType="tmRoot"/>
+      </p:par>
+    </p:tnLst>
+  </p:timing>
+</p:sld>
+</file>
+
+<file path=ppt/slides/slide10.xml><?xml version="1.0" encoding="utf-8"?>
+<p:sld xmlns:a="http://schemas.openxmlformats.org/drawingml/2006/main" xmlns:r="http://schemas.openxmlformats.org/officeDocument/2006/relationships" xmlns:p="http://schemas.openxmlformats.org/presentationml/2006/main">
+  <p:cSld>
+    <p:spTree>
+      <p:nvGrpSpPr>
+        <p:cNvPr id="1" name=""/>
+        <p:cNvGrpSpPr/>
+        <p:nvPr/>
+      </p:nvGrpSpPr>
+      <p:grpSpPr>
+        <a:xfrm>
+          <a:off x="0" y="0"/>
+          <a:ext cx="0" cy="0"/>
+          <a:chOff x="0" y="0"/>
+          <a:chExt cx="0" cy="0"/>
+        </a:xfrm>
+      </p:grpSpPr>
+      <p:graphicFrame>
+        <p:nvGraphicFramePr>
+          <p:cNvPr id="4" name="Tabla 3"/>
+          <p:cNvGraphicFramePr>
+            <a:graphicFrameLocks noGrp="1"/>
+          </p:cNvGraphicFramePr>
+          <p:nvPr>
+            <p:extLst>
+              <p:ext uri="{D42A27DB-BD31-4B8C-83A1-F6EECF244321}">
+                <p14:modId xmlns:p14="http://schemas.microsoft.com/office/powerpoint/2010/main" val="2035903210"/>
+              </p:ext>
+            </p:extLst>
+          </p:nvPr>
+        </p:nvGraphicFramePr>
+        <p:xfrm>
+          <a:off x="521979" y="300215"/>
+          <a:ext cx="11046438" cy="6226419"/>
+        </p:xfrm>
+        <a:graphic>
+          <a:graphicData uri="http://schemas.openxmlformats.org/drawingml/2006/table">
+            <a:tbl>
+              <a:tblPr firstRow="1" bandRow="1">
+                <a:tableStyleId>{46F890A9-2807-4EBB-B81D-B2AA78EC7F39}</a:tableStyleId>
+              </a:tblPr>
+              <a:tblGrid>
+                <a:gridCol w="1841073">
+                  <a:extLst>
+                    <a:ext uri="{9D8B030D-6E8A-4147-A177-3AD203B41FA5}">
+                      <a16:colId xmlns:a16="http://schemas.microsoft.com/office/drawing/2014/main" val="399880740"/>
+                    </a:ext>
+                  </a:extLst>
+                </a:gridCol>
+                <a:gridCol w="1841073">
+                  <a:extLst>
+                    <a:ext uri="{9D8B030D-6E8A-4147-A177-3AD203B41FA5}">
+                      <a16:colId xmlns:a16="http://schemas.microsoft.com/office/drawing/2014/main" val="1748517508"/>
+                    </a:ext>
+                  </a:extLst>
+                </a:gridCol>
+                <a:gridCol w="1841073">
+                  <a:extLst>
+                    <a:ext uri="{9D8B030D-6E8A-4147-A177-3AD203B41FA5}">
+                      <a16:colId xmlns:a16="http://schemas.microsoft.com/office/drawing/2014/main" val="2747763475"/>
+                    </a:ext>
+                  </a:extLst>
+                </a:gridCol>
+                <a:gridCol w="1841073">
+                  <a:extLst>
+                    <a:ext uri="{9D8B030D-6E8A-4147-A177-3AD203B41FA5}">
+                      <a16:colId xmlns:a16="http://schemas.microsoft.com/office/drawing/2014/main" val="2215750051"/>
+                    </a:ext>
+                  </a:extLst>
+                </a:gridCol>
+                <a:gridCol w="1841073">
+                  <a:extLst>
+                    <a:ext uri="{9D8B030D-6E8A-4147-A177-3AD203B41FA5}">
+                      <a16:colId xmlns:a16="http://schemas.microsoft.com/office/drawing/2014/main" val="3745329650"/>
+                    </a:ext>
+                  </a:extLst>
+                </a:gridCol>
+                <a:gridCol w="1841073">
+                  <a:extLst>
+                    <a:ext uri="{9D8B030D-6E8A-4147-A177-3AD203B41FA5}">
+                      <a16:colId xmlns:a16="http://schemas.microsoft.com/office/drawing/2014/main" val="1170774747"/>
+                    </a:ext>
+                  </a:extLst>
+                </a:gridCol>
+              </a:tblGrid>
+              <a:tr h="531433">
+                <a:tc>
+                  <a:txBody>
+                    <a:bodyPr/>
+                    <a:lstStyle/>
+                    <a:p>
+                      <a:pPr algn="ctr">
+                        <a:lnSpc>
+                          <a:spcPct val="107000"/>
+                        </a:lnSpc>
+                        <a:spcAft>
+                          <a:spcPts val="0"/>
+                        </a:spcAft>
+                        <a:tabLst>
+                          <a:tab pos="1381125" algn="l"/>
+                        </a:tabLst>
+                      </a:pPr>
+                      <a:r>
+                        <a:rPr lang="es-AR" sz="1400" b="1" dirty="0">
+                          <a:solidFill>
+                            <a:schemeClr val="tx1"/>
+                          </a:solidFill>
+                          <a:effectLst/>
+                          <a:latin typeface="+mj-lt"/>
+                          <a:ea typeface="Calibri" panose="020F0502020204030204" pitchFamily="34" charset="0"/>
+                          <a:cs typeface="Calibri" panose="020F0502020204030204" pitchFamily="34" charset="0"/>
+                        </a:rPr>
+                        <a:t>Algoritmos de ordenamiento</a:t>
+                      </a:r>
+                      <a:endParaRPr lang="en-US" sz="1100" dirty="0">
+                        <a:solidFill>
+                          <a:schemeClr val="tx1"/>
+                        </a:solidFill>
+                        <a:effectLst/>
+                        <a:latin typeface="+mj-lt"/>
+                        <a:ea typeface="Calibri" panose="020F0502020204030204" pitchFamily="34" charset="0"/>
+                        <a:cs typeface="Times New Roman" panose="02020603050405020304" pitchFamily="18" charset="0"/>
+                      </a:endParaRPr>
+                    </a:p>
+                  </a:txBody>
+                  <a:tcPr marL="68580" marR="68580" marT="0" marB="0"/>
+                </a:tc>
+                <a:tc>
+                  <a:txBody>
+                    <a:bodyPr/>
+                    <a:lstStyle/>
+                    <a:p>
+                      <a:pPr algn="ctr">
+                        <a:lnSpc>
+                          <a:spcPct val="107000"/>
+                        </a:lnSpc>
+                        <a:spcAft>
+                          <a:spcPts val="0"/>
+                        </a:spcAft>
+                        <a:tabLst>
+                          <a:tab pos="1381125" algn="l"/>
+                        </a:tabLst>
+                      </a:pPr>
+                      <a:r>
+                        <a:rPr lang="es-AR" sz="1400" b="1" dirty="0">
+                          <a:solidFill>
+                            <a:schemeClr val="tx1"/>
+                          </a:solidFill>
+                          <a:effectLst/>
+                          <a:latin typeface="+mj-lt"/>
+                          <a:ea typeface="Calibri" panose="020F0502020204030204" pitchFamily="34" charset="0"/>
+                          <a:cs typeface="Calibri" panose="020F0502020204030204" pitchFamily="34" charset="0"/>
+                        </a:rPr>
+                        <a:t>Método burbuja</a:t>
+                      </a:r>
+                      <a:endParaRPr lang="en-US" sz="1100" dirty="0">
+                        <a:solidFill>
+                          <a:schemeClr val="tx1"/>
+                        </a:solidFill>
+                        <a:effectLst/>
+                        <a:latin typeface="+mj-lt"/>
+                        <a:ea typeface="Calibri" panose="020F0502020204030204" pitchFamily="34" charset="0"/>
+                        <a:cs typeface="Times New Roman" panose="02020603050405020304" pitchFamily="18" charset="0"/>
+                      </a:endParaRPr>
+                    </a:p>
+                  </a:txBody>
+                  <a:tcPr marL="68580" marR="68580" marT="0" marB="0"/>
+                </a:tc>
+                <a:tc>
+                  <a:txBody>
+                    <a:bodyPr/>
+                    <a:lstStyle/>
+                    <a:p>
+                      <a:pPr algn="ctr">
+                        <a:lnSpc>
+                          <a:spcPct val="107000"/>
+                        </a:lnSpc>
+                        <a:spcAft>
+                          <a:spcPts val="0"/>
+                        </a:spcAft>
+                        <a:tabLst>
+                          <a:tab pos="1381125" algn="l"/>
+                        </a:tabLst>
+                      </a:pPr>
+                      <a:r>
+                        <a:rPr lang="es-AR" sz="1400" b="1" dirty="0">
+                          <a:solidFill>
+                            <a:schemeClr val="tx1"/>
+                          </a:solidFill>
+                          <a:effectLst/>
+                          <a:latin typeface="+mj-lt"/>
+                          <a:ea typeface="Calibri" panose="020F0502020204030204" pitchFamily="34" charset="0"/>
+                          <a:cs typeface="Calibri" panose="020F0502020204030204" pitchFamily="34" charset="0"/>
+                        </a:rPr>
+                        <a:t>Método inserción</a:t>
+                      </a:r>
+                      <a:endParaRPr lang="en-US" sz="1100" dirty="0">
+                        <a:solidFill>
+                          <a:schemeClr val="tx1"/>
+                        </a:solidFill>
+                        <a:effectLst/>
+                        <a:latin typeface="+mj-lt"/>
+                        <a:ea typeface="Calibri" panose="020F0502020204030204" pitchFamily="34" charset="0"/>
+                        <a:cs typeface="Times New Roman" panose="02020603050405020304" pitchFamily="18" charset="0"/>
+                      </a:endParaRPr>
+                    </a:p>
+                  </a:txBody>
+                  <a:tcPr marL="68580" marR="68580" marT="0" marB="0"/>
+                </a:tc>
+                <a:tc>
+                  <a:txBody>
+                    <a:bodyPr/>
+                    <a:lstStyle/>
+                    <a:p>
+                      <a:pPr algn="ctr">
+                        <a:lnSpc>
+                          <a:spcPct val="107000"/>
+                        </a:lnSpc>
+                        <a:spcAft>
+                          <a:spcPts val="0"/>
+                        </a:spcAft>
+                        <a:tabLst>
+                          <a:tab pos="1381125" algn="l"/>
+                        </a:tabLst>
+                      </a:pPr>
+                      <a:r>
+                        <a:rPr lang="es-AR" sz="1400" b="1" dirty="0">
+                          <a:solidFill>
+                            <a:schemeClr val="tx1"/>
+                          </a:solidFill>
+                          <a:effectLst/>
+                          <a:latin typeface="+mj-lt"/>
+                          <a:ea typeface="Calibri" panose="020F0502020204030204" pitchFamily="34" charset="0"/>
+                          <a:cs typeface="Calibri" panose="020F0502020204030204" pitchFamily="34" charset="0"/>
+                        </a:rPr>
+                        <a:t>Método selección</a:t>
+                      </a:r>
+                      <a:endParaRPr lang="en-US" sz="1100" dirty="0">
+                        <a:solidFill>
+                          <a:schemeClr val="tx1"/>
+                        </a:solidFill>
+                        <a:effectLst/>
+                        <a:latin typeface="+mj-lt"/>
+                        <a:ea typeface="Calibri" panose="020F0502020204030204" pitchFamily="34" charset="0"/>
+                        <a:cs typeface="Times New Roman" panose="02020603050405020304" pitchFamily="18" charset="0"/>
+                      </a:endParaRPr>
+                    </a:p>
+                  </a:txBody>
+                  <a:tcPr marL="68580" marR="68580" marT="0" marB="0"/>
+                </a:tc>
+                <a:tc>
+                  <a:txBody>
+                    <a:bodyPr/>
+                    <a:lstStyle/>
+                    <a:p>
+                      <a:pPr algn="ctr">
+                        <a:lnSpc>
+                          <a:spcPct val="107000"/>
+                        </a:lnSpc>
+                        <a:spcAft>
+                          <a:spcPts val="0"/>
+                        </a:spcAft>
+                        <a:tabLst>
+                          <a:tab pos="1381125" algn="l"/>
+                        </a:tabLst>
+                      </a:pPr>
+                      <a:r>
+                        <a:rPr lang="es-AR" sz="1400" b="1" dirty="0">
+                          <a:solidFill>
+                            <a:schemeClr val="tx1"/>
+                          </a:solidFill>
+                          <a:effectLst/>
+                          <a:latin typeface="+mj-lt"/>
+                          <a:ea typeface="Calibri" panose="020F0502020204030204" pitchFamily="34" charset="0"/>
+                          <a:cs typeface="Calibri" panose="020F0502020204030204" pitchFamily="34" charset="0"/>
+                        </a:rPr>
+                        <a:t>Método QuickSort</a:t>
+                      </a:r>
+                      <a:endParaRPr lang="en-US" sz="1100" dirty="0">
+                        <a:solidFill>
+                          <a:schemeClr val="tx1"/>
+                        </a:solidFill>
+                        <a:effectLst/>
+                        <a:latin typeface="+mj-lt"/>
+                        <a:ea typeface="Calibri" panose="020F0502020204030204" pitchFamily="34" charset="0"/>
+                        <a:cs typeface="Times New Roman" panose="02020603050405020304" pitchFamily="18" charset="0"/>
+                      </a:endParaRPr>
+                    </a:p>
+                  </a:txBody>
+                  <a:tcPr marL="68580" marR="68580" marT="0" marB="0"/>
+                </a:tc>
+                <a:tc>
+                  <a:txBody>
+                    <a:bodyPr/>
+                    <a:lstStyle/>
+                    <a:p>
+                      <a:pPr algn="ctr">
+                        <a:lnSpc>
+                          <a:spcPct val="107000"/>
+                        </a:lnSpc>
+                        <a:spcAft>
+                          <a:spcPts val="0"/>
+                        </a:spcAft>
+                        <a:tabLst>
+                          <a:tab pos="1381125" algn="l"/>
+                        </a:tabLst>
+                      </a:pPr>
+                      <a:r>
+                        <a:rPr lang="es-AR" sz="1400" b="1" dirty="0">
+                          <a:solidFill>
+                            <a:schemeClr val="tx1"/>
+                          </a:solidFill>
+                          <a:effectLst/>
+                          <a:latin typeface="+mj-lt"/>
+                          <a:ea typeface="Calibri" panose="020F0502020204030204" pitchFamily="34" charset="0"/>
+                          <a:cs typeface="Calibri" panose="020F0502020204030204" pitchFamily="34" charset="0"/>
+                        </a:rPr>
+                        <a:t>Método MergeSort</a:t>
+                      </a:r>
+                      <a:endParaRPr lang="en-US" sz="1100" dirty="0">
+                        <a:solidFill>
+                          <a:schemeClr val="tx1"/>
+                        </a:solidFill>
+                        <a:effectLst/>
+                        <a:latin typeface="+mj-lt"/>
+                        <a:ea typeface="Calibri" panose="020F0502020204030204" pitchFamily="34" charset="0"/>
+                        <a:cs typeface="Times New Roman" panose="02020603050405020304" pitchFamily="18" charset="0"/>
+                      </a:endParaRPr>
+                    </a:p>
+                  </a:txBody>
+                  <a:tcPr marL="68580" marR="68580" marT="0" marB="0"/>
+                </a:tc>
+                <a:extLst>
+                  <a:ext uri="{0D108BD9-81ED-4DB2-BD59-A6C34878D82A}">
+                    <a16:rowId xmlns:a16="http://schemas.microsoft.com/office/drawing/2014/main" val="2919451545"/>
+                  </a:ext>
+                </a:extLst>
+              </a:tr>
+              <a:tr h="1366797">
+                <a:tc>
+                  <a:txBody>
+                    <a:bodyPr/>
+                    <a:lstStyle/>
+                    <a:p>
+                      <a:pPr>
+                        <a:lnSpc>
+                          <a:spcPct val="107000"/>
+                        </a:lnSpc>
+                        <a:spcAft>
+                          <a:spcPts val="0"/>
+                        </a:spcAft>
+                      </a:pPr>
+                      <a:r>
+                        <a:rPr lang="es-AR" sz="1400" b="1" dirty="0">
+                          <a:solidFill>
+                            <a:srgbClr val="000000"/>
+                          </a:solidFill>
+                          <a:effectLst/>
+                          <a:latin typeface="Calibri" panose="020F0502020204030204" pitchFamily="34" charset="0"/>
+                          <a:ea typeface="Calibri" panose="020F0502020204030204" pitchFamily="34" charset="0"/>
+                          <a:cs typeface="Calibri" panose="020F0502020204030204" pitchFamily="34" charset="0"/>
+                        </a:rPr>
+                        <a:t>Breve descripción</a:t>
+                      </a:r>
+                      <a:endParaRPr lang="en-US" sz="1100" dirty="0">
+                        <a:effectLst/>
+                        <a:latin typeface="Calibri" panose="020F0502020204030204" pitchFamily="34" charset="0"/>
+                        <a:ea typeface="Calibri" panose="020F0502020204030204" pitchFamily="34" charset="0"/>
+                        <a:cs typeface="Times New Roman" panose="02020603050405020304" pitchFamily="18" charset="0"/>
+                      </a:endParaRPr>
+                    </a:p>
+                  </a:txBody>
+                  <a:tcPr marL="68580" marR="68580" marT="0" marB="0"/>
+                </a:tc>
+                <a:tc>
+                  <a:txBody>
+                    <a:bodyPr/>
+                    <a:lstStyle/>
+                    <a:p>
+                      <a:pPr algn="ctr">
+                        <a:lnSpc>
+                          <a:spcPct val="107000"/>
+                        </a:lnSpc>
+                        <a:spcAft>
+                          <a:spcPts val="0"/>
+                        </a:spcAft>
+                        <a:tabLst>
+                          <a:tab pos="1381125" algn="l"/>
+                        </a:tabLst>
+                      </a:pPr>
+                      <a:r>
+                        <a:rPr lang="es-AR" sz="1200" dirty="0">
+                          <a:solidFill>
+                            <a:srgbClr val="000000"/>
+                          </a:solidFill>
+                          <a:effectLst/>
+                          <a:latin typeface="Calibri" panose="020F0502020204030204" pitchFamily="34" charset="0"/>
+                          <a:ea typeface="Calibri" panose="020F0502020204030204" pitchFamily="34" charset="0"/>
+                          <a:cs typeface="Calibri" panose="020F0502020204030204" pitchFamily="34" charset="0"/>
+                        </a:rPr>
+                        <a:t>Toma el elemento mayor y recorre X cantidad de veces el arreglo hasta encontrar su lugar.</a:t>
+                      </a:r>
+                      <a:endParaRPr lang="en-US" sz="1100" dirty="0">
+                        <a:effectLst/>
+                        <a:latin typeface="Calibri" panose="020F0502020204030204" pitchFamily="34" charset="0"/>
+                        <a:ea typeface="Calibri" panose="020F0502020204030204" pitchFamily="34" charset="0"/>
+                        <a:cs typeface="Times New Roman" panose="02020603050405020304" pitchFamily="18" charset="0"/>
+                      </a:endParaRPr>
+                    </a:p>
+                  </a:txBody>
+                  <a:tcPr marL="68580" marR="68580" marT="0" marB="0"/>
+                </a:tc>
+                <a:tc>
+                  <a:txBody>
+                    <a:bodyPr/>
+                    <a:lstStyle/>
+                    <a:p>
+                      <a:pPr algn="ctr">
+                        <a:lnSpc>
+                          <a:spcPct val="107000"/>
+                        </a:lnSpc>
+                        <a:spcAft>
+                          <a:spcPts val="0"/>
+                        </a:spcAft>
+                        <a:tabLst>
+                          <a:tab pos="1381125" algn="l"/>
+                        </a:tabLst>
+                      </a:pPr>
+                      <a:r>
+                        <a:rPr lang="es-AR" sz="1200">
+                          <a:solidFill>
+                            <a:srgbClr val="000000"/>
+                          </a:solidFill>
+                          <a:effectLst/>
+                          <a:latin typeface="Calibri" panose="020F0502020204030204" pitchFamily="34" charset="0"/>
+                          <a:ea typeface="Calibri" panose="020F0502020204030204" pitchFamily="34" charset="0"/>
+                          <a:cs typeface="Calibri" panose="020F0502020204030204" pitchFamily="34" charset="0"/>
+                        </a:rPr>
+                        <a:t>Es como ordenar un mazo de carta en forma arbitraria.</a:t>
+                      </a:r>
+                      <a:endParaRPr lang="en-US" sz="1100">
+                        <a:effectLst/>
+                        <a:latin typeface="Calibri" panose="020F0502020204030204" pitchFamily="34" charset="0"/>
+                        <a:ea typeface="Calibri" panose="020F0502020204030204" pitchFamily="34" charset="0"/>
+                        <a:cs typeface="Times New Roman" panose="02020603050405020304" pitchFamily="18" charset="0"/>
+                      </a:endParaRPr>
+                    </a:p>
+                  </a:txBody>
+                  <a:tcPr marL="68580" marR="68580" marT="0" marB="0"/>
+                </a:tc>
+                <a:tc>
+                  <a:txBody>
+                    <a:bodyPr/>
+                    <a:lstStyle/>
+                    <a:p>
+                      <a:pPr algn="ctr">
+                        <a:lnSpc>
+                          <a:spcPct val="107000"/>
+                        </a:lnSpc>
+                        <a:spcAft>
+                          <a:spcPts val="0"/>
+                        </a:spcAft>
+                        <a:tabLst>
+                          <a:tab pos="1381125" algn="l"/>
+                        </a:tabLst>
+                      </a:pPr>
+                      <a:r>
+                        <a:rPr lang="es-AR" sz="1200">
+                          <a:solidFill>
+                            <a:srgbClr val="000000"/>
+                          </a:solidFill>
+                          <a:effectLst/>
+                          <a:latin typeface="Calibri" panose="020F0502020204030204" pitchFamily="34" charset="0"/>
+                          <a:ea typeface="Calibri" panose="020F0502020204030204" pitchFamily="34" charset="0"/>
+                          <a:cs typeface="Calibri" panose="020F0502020204030204" pitchFamily="34" charset="0"/>
+                        </a:rPr>
+                        <a:t>Consiste en encontrar el menor de todos los elementos y cambiarlo con el de la primera fila.</a:t>
+                      </a:r>
+                      <a:endParaRPr lang="en-US" sz="1100">
+                        <a:effectLst/>
+                        <a:latin typeface="Calibri" panose="020F0502020204030204" pitchFamily="34" charset="0"/>
+                        <a:ea typeface="Calibri" panose="020F0502020204030204" pitchFamily="34" charset="0"/>
+                        <a:cs typeface="Times New Roman" panose="02020603050405020304" pitchFamily="18" charset="0"/>
+                      </a:endParaRPr>
+                    </a:p>
+                  </a:txBody>
+                  <a:tcPr marL="68580" marR="68580" marT="0" marB="0"/>
+                </a:tc>
+                <a:tc>
+                  <a:txBody>
+                    <a:bodyPr/>
+                    <a:lstStyle/>
+                    <a:p>
+                      <a:pPr algn="ctr">
+                        <a:lnSpc>
+                          <a:spcPct val="107000"/>
+                        </a:lnSpc>
+                        <a:spcAft>
+                          <a:spcPts val="0"/>
+                        </a:spcAft>
+                        <a:tabLst>
+                          <a:tab pos="1381125" algn="l"/>
+                        </a:tabLst>
+                      </a:pPr>
+                      <a:r>
+                        <a:rPr lang="es-AR" sz="1200">
+                          <a:solidFill>
+                            <a:srgbClr val="000000"/>
+                          </a:solidFill>
+                          <a:effectLst/>
+                          <a:latin typeface="Calibri" panose="020F0502020204030204" pitchFamily="34" charset="0"/>
+                          <a:ea typeface="Calibri" panose="020F0502020204030204" pitchFamily="34" charset="0"/>
+                          <a:cs typeface="Calibri" panose="020F0502020204030204" pitchFamily="34" charset="0"/>
+                        </a:rPr>
+                        <a:t>Utiliza un pivote y ordena los elementos según el pivote elegido.</a:t>
+                      </a:r>
+                      <a:endParaRPr lang="en-US" sz="1100">
+                        <a:effectLst/>
+                        <a:latin typeface="Calibri" panose="020F0502020204030204" pitchFamily="34" charset="0"/>
+                        <a:ea typeface="Calibri" panose="020F0502020204030204" pitchFamily="34" charset="0"/>
+                        <a:cs typeface="Times New Roman" panose="02020603050405020304" pitchFamily="18" charset="0"/>
+                      </a:endParaRPr>
+                    </a:p>
+                  </a:txBody>
+                  <a:tcPr marL="68580" marR="68580" marT="0" marB="0"/>
+                </a:tc>
+                <a:tc>
+                  <a:txBody>
+                    <a:bodyPr/>
+                    <a:lstStyle/>
+                    <a:p>
+                      <a:pPr algn="ctr">
+                        <a:lnSpc>
+                          <a:spcPct val="107000"/>
+                        </a:lnSpc>
+                        <a:spcAft>
+                          <a:spcPts val="0"/>
+                        </a:spcAft>
+                        <a:tabLst>
+                          <a:tab pos="1381125" algn="l"/>
+                        </a:tabLst>
+                      </a:pPr>
+                      <a:r>
+                        <a:rPr lang="es-AR" sz="1200">
+                          <a:solidFill>
+                            <a:srgbClr val="000000"/>
+                          </a:solidFill>
+                          <a:effectLst/>
+                          <a:latin typeface="Calibri" panose="020F0502020204030204" pitchFamily="34" charset="0"/>
+                          <a:ea typeface="Calibri" panose="020F0502020204030204" pitchFamily="34" charset="0"/>
+                          <a:cs typeface="Calibri" panose="020F0502020204030204" pitchFamily="34" charset="0"/>
+                        </a:rPr>
+                        <a:t>Divide el arreglo en partes y ordena cada una de ellas.</a:t>
+                      </a:r>
+                      <a:endParaRPr lang="en-US" sz="1100">
+                        <a:effectLst/>
+                        <a:latin typeface="Calibri" panose="020F0502020204030204" pitchFamily="34" charset="0"/>
+                        <a:ea typeface="Calibri" panose="020F0502020204030204" pitchFamily="34" charset="0"/>
+                        <a:cs typeface="Times New Roman" panose="02020603050405020304" pitchFamily="18" charset="0"/>
+                      </a:endParaRPr>
+                    </a:p>
+                  </a:txBody>
+                  <a:tcPr marL="68580" marR="68580" marT="0" marB="0"/>
+                </a:tc>
+                <a:extLst>
+                  <a:ext uri="{0D108BD9-81ED-4DB2-BD59-A6C34878D82A}">
+                    <a16:rowId xmlns:a16="http://schemas.microsoft.com/office/drawing/2014/main" val="3442746294"/>
+                  </a:ext>
+                </a:extLst>
+              </a:tr>
+              <a:tr h="1822395">
+                <a:tc>
+                  <a:txBody>
+                    <a:bodyPr/>
+                    <a:lstStyle/>
+                    <a:p>
+                      <a:pPr>
+                        <a:lnSpc>
+                          <a:spcPct val="107000"/>
+                        </a:lnSpc>
+                        <a:spcAft>
+                          <a:spcPts val="0"/>
+                        </a:spcAft>
+                        <a:tabLst>
+                          <a:tab pos="1381125" algn="l"/>
+                        </a:tabLst>
+                      </a:pPr>
+                      <a:r>
+                        <a:rPr lang="es-AR" sz="1400" b="1" dirty="0">
+                          <a:solidFill>
+                            <a:srgbClr val="000000"/>
+                          </a:solidFill>
+                          <a:effectLst/>
+                          <a:latin typeface="Calibri" panose="020F0502020204030204" pitchFamily="34" charset="0"/>
+                          <a:ea typeface="Calibri" panose="020F0502020204030204" pitchFamily="34" charset="0"/>
+                          <a:cs typeface="Calibri" panose="020F0502020204030204" pitchFamily="34" charset="0"/>
+                        </a:rPr>
+                        <a:t>Característica principal</a:t>
+                      </a:r>
+                      <a:endParaRPr lang="en-US" sz="1100" dirty="0">
+                        <a:effectLst/>
+                        <a:latin typeface="Calibri" panose="020F0502020204030204" pitchFamily="34" charset="0"/>
+                        <a:ea typeface="Calibri" panose="020F0502020204030204" pitchFamily="34" charset="0"/>
+                        <a:cs typeface="Times New Roman" panose="02020603050405020304" pitchFamily="18" charset="0"/>
+                      </a:endParaRPr>
+                    </a:p>
+                  </a:txBody>
+                  <a:tcPr marL="68580" marR="68580" marT="0" marB="0"/>
+                </a:tc>
+                <a:tc>
+                  <a:txBody>
+                    <a:bodyPr/>
+                    <a:lstStyle/>
+                    <a:p>
+                      <a:pPr algn="ctr">
+                        <a:lnSpc>
+                          <a:spcPct val="107000"/>
+                        </a:lnSpc>
+                        <a:spcAft>
+                          <a:spcPts val="0"/>
+                        </a:spcAft>
+                        <a:tabLst>
+                          <a:tab pos="1381125" algn="l"/>
+                        </a:tabLst>
+                      </a:pPr>
+                      <a:r>
+                        <a:rPr lang="es-AR" sz="1200">
+                          <a:solidFill>
+                            <a:srgbClr val="000000"/>
+                          </a:solidFill>
+                          <a:effectLst/>
+                          <a:latin typeface="Calibri" panose="020F0502020204030204" pitchFamily="34" charset="0"/>
+                          <a:ea typeface="Calibri" panose="020F0502020204030204" pitchFamily="34" charset="0"/>
+                          <a:cs typeface="Calibri" panose="020F0502020204030204" pitchFamily="34" charset="0"/>
+                        </a:rPr>
+                        <a:t>Se recorre el arreglo intercambiando los elementos adyacentes. Se recorre el arreglo hasta que no hayan más cambios.</a:t>
+                      </a:r>
+                      <a:endParaRPr lang="en-US" sz="1100">
+                        <a:effectLst/>
+                        <a:latin typeface="Calibri" panose="020F0502020204030204" pitchFamily="34" charset="0"/>
+                        <a:ea typeface="Calibri" panose="020F0502020204030204" pitchFamily="34" charset="0"/>
+                        <a:cs typeface="Times New Roman" panose="02020603050405020304" pitchFamily="18" charset="0"/>
+                      </a:endParaRPr>
+                    </a:p>
+                  </a:txBody>
+                  <a:tcPr marL="68580" marR="68580" marT="0" marB="0"/>
+                </a:tc>
+                <a:tc>
+                  <a:txBody>
+                    <a:bodyPr/>
+                    <a:lstStyle/>
+                    <a:p>
+                      <a:pPr algn="ctr">
+                        <a:lnSpc>
+                          <a:spcPct val="107000"/>
+                        </a:lnSpc>
+                        <a:spcAft>
+                          <a:spcPts val="0"/>
+                        </a:spcAft>
+                        <a:tabLst>
+                          <a:tab pos="1381125" algn="l"/>
+                        </a:tabLst>
+                      </a:pPr>
+                      <a:r>
+                        <a:rPr lang="es-AR" sz="1200">
+                          <a:solidFill>
+                            <a:srgbClr val="000000"/>
+                          </a:solidFill>
+                          <a:effectLst/>
+                          <a:latin typeface="Calibri" panose="020F0502020204030204" pitchFamily="34" charset="0"/>
+                          <a:ea typeface="Calibri" panose="020F0502020204030204" pitchFamily="34" charset="0"/>
+                          <a:cs typeface="Calibri" panose="020F0502020204030204" pitchFamily="34" charset="0"/>
+                        </a:rPr>
+                        <a:t>Toma elemento por elemento y avanza hasta su posición con respecto al elemento anterior.</a:t>
+                      </a:r>
+                      <a:endParaRPr lang="en-US" sz="1100">
+                        <a:effectLst/>
+                        <a:latin typeface="Calibri" panose="020F0502020204030204" pitchFamily="34" charset="0"/>
+                        <a:ea typeface="Calibri" panose="020F0502020204030204" pitchFamily="34" charset="0"/>
+                        <a:cs typeface="Times New Roman" panose="02020603050405020304" pitchFamily="18" charset="0"/>
+                      </a:endParaRPr>
+                    </a:p>
+                  </a:txBody>
+                  <a:tcPr marL="68580" marR="68580" marT="0" marB="0"/>
+                </a:tc>
+                <a:tc>
+                  <a:txBody>
+                    <a:bodyPr/>
+                    <a:lstStyle/>
+                    <a:p>
+                      <a:pPr algn="ctr">
+                        <a:lnSpc>
+                          <a:spcPct val="107000"/>
+                        </a:lnSpc>
+                        <a:spcAft>
+                          <a:spcPts val="0"/>
+                        </a:spcAft>
+                        <a:tabLst>
+                          <a:tab pos="1381125" algn="l"/>
+                        </a:tabLst>
+                      </a:pPr>
+                      <a:r>
+                        <a:rPr lang="es-AR" sz="1200">
+                          <a:solidFill>
+                            <a:srgbClr val="000000"/>
+                          </a:solidFill>
+                          <a:effectLst/>
+                          <a:latin typeface="Calibri" panose="020F0502020204030204" pitchFamily="34" charset="0"/>
+                          <a:ea typeface="Calibri" panose="020F0502020204030204" pitchFamily="34" charset="0"/>
+                          <a:cs typeface="Calibri" panose="020F0502020204030204" pitchFamily="34" charset="0"/>
+                        </a:rPr>
+                        <a:t>Selecciona el menor elemento de la secuencia no ordenada y lo intercambia.</a:t>
+                      </a:r>
+                      <a:endParaRPr lang="en-US" sz="1100">
+                        <a:effectLst/>
+                        <a:latin typeface="Calibri" panose="020F0502020204030204" pitchFamily="34" charset="0"/>
+                        <a:ea typeface="Calibri" panose="020F0502020204030204" pitchFamily="34" charset="0"/>
+                        <a:cs typeface="Times New Roman" panose="02020603050405020304" pitchFamily="18" charset="0"/>
+                      </a:endParaRPr>
+                    </a:p>
+                  </a:txBody>
+                  <a:tcPr marL="68580" marR="68580" marT="0" marB="0"/>
+                </a:tc>
+                <a:tc>
+                  <a:txBody>
+                    <a:bodyPr/>
+                    <a:lstStyle/>
+                    <a:p>
+                      <a:pPr algn="ctr">
+                        <a:lnSpc>
+                          <a:spcPct val="107000"/>
+                        </a:lnSpc>
+                        <a:spcAft>
+                          <a:spcPts val="0"/>
+                        </a:spcAft>
+                        <a:tabLst>
+                          <a:tab pos="1381125" algn="l"/>
+                        </a:tabLst>
+                      </a:pPr>
+                      <a:r>
+                        <a:rPr lang="es-AR" sz="1200" dirty="0">
+                          <a:solidFill>
+                            <a:srgbClr val="000000"/>
+                          </a:solidFill>
+                          <a:effectLst/>
+                          <a:latin typeface="Calibri" panose="020F0502020204030204" pitchFamily="34" charset="0"/>
+                          <a:ea typeface="Calibri" panose="020F0502020204030204" pitchFamily="34" charset="0"/>
+                          <a:cs typeface="Calibri" panose="020F0502020204030204" pitchFamily="34" charset="0"/>
+                        </a:rPr>
+                        <a:t>División por pivote.</a:t>
+                      </a:r>
+                      <a:endParaRPr lang="en-US" sz="1100" dirty="0">
+                        <a:effectLst/>
+                        <a:latin typeface="Calibri" panose="020F0502020204030204" pitchFamily="34" charset="0"/>
+                        <a:ea typeface="Calibri" panose="020F0502020204030204" pitchFamily="34" charset="0"/>
+                        <a:cs typeface="Times New Roman" panose="02020603050405020304" pitchFamily="18" charset="0"/>
+                      </a:endParaRPr>
+                    </a:p>
+                  </a:txBody>
+                  <a:tcPr marL="68580" marR="68580" marT="0" marB="0"/>
+                </a:tc>
+                <a:tc>
+                  <a:txBody>
+                    <a:bodyPr/>
+                    <a:lstStyle/>
+                    <a:p>
+                      <a:pPr algn="ctr">
+                        <a:lnSpc>
+                          <a:spcPct val="107000"/>
+                        </a:lnSpc>
+                        <a:spcAft>
+                          <a:spcPts val="0"/>
+                        </a:spcAft>
+                        <a:tabLst>
+                          <a:tab pos="1381125" algn="l"/>
+                        </a:tabLst>
+                      </a:pPr>
+                      <a:r>
+                        <a:rPr lang="es-AR" sz="1200">
+                          <a:solidFill>
+                            <a:srgbClr val="000000"/>
+                          </a:solidFill>
+                          <a:effectLst/>
+                          <a:latin typeface="Calibri" panose="020F0502020204030204" pitchFamily="34" charset="0"/>
+                          <a:ea typeface="Calibri" panose="020F0502020204030204" pitchFamily="34" charset="0"/>
+                          <a:cs typeface="Calibri" panose="020F0502020204030204" pitchFamily="34" charset="0"/>
+                        </a:rPr>
+                        <a:t>Dividir la lista desordenada en varias listas, ordenar cada lista y luego juntar las listas ordenadas.</a:t>
+                      </a:r>
+                      <a:endParaRPr lang="en-US" sz="1100">
+                        <a:effectLst/>
+                        <a:latin typeface="Calibri" panose="020F0502020204030204" pitchFamily="34" charset="0"/>
+                        <a:ea typeface="Calibri" panose="020F0502020204030204" pitchFamily="34" charset="0"/>
+                        <a:cs typeface="Times New Roman" panose="02020603050405020304" pitchFamily="18" charset="0"/>
+                      </a:endParaRPr>
+                    </a:p>
+                  </a:txBody>
+                  <a:tcPr marL="68580" marR="68580" marT="0" marB="0"/>
+                </a:tc>
+                <a:extLst>
+                  <a:ext uri="{0D108BD9-81ED-4DB2-BD59-A6C34878D82A}">
+                    <a16:rowId xmlns:a16="http://schemas.microsoft.com/office/drawing/2014/main" val="563175803"/>
+                  </a:ext>
+                </a:extLst>
+              </a:tr>
+              <a:tr h="1366797">
+                <a:tc>
+                  <a:txBody>
+                    <a:bodyPr/>
+                    <a:lstStyle/>
+                    <a:p>
+                      <a:pPr>
+                        <a:lnSpc>
+                          <a:spcPct val="107000"/>
+                        </a:lnSpc>
+                        <a:spcAft>
+                          <a:spcPts val="0"/>
+                        </a:spcAft>
+                        <a:tabLst>
+                          <a:tab pos="1381125" algn="l"/>
+                        </a:tabLst>
+                      </a:pPr>
+                      <a:r>
+                        <a:rPr lang="es-AR" sz="1400" b="1">
+                          <a:solidFill>
+                            <a:srgbClr val="000000"/>
+                          </a:solidFill>
+                          <a:effectLst/>
+                          <a:latin typeface="Calibri" panose="020F0502020204030204" pitchFamily="34" charset="0"/>
+                          <a:ea typeface="Calibri" panose="020F0502020204030204" pitchFamily="34" charset="0"/>
+                          <a:cs typeface="Calibri" panose="020F0502020204030204" pitchFamily="34" charset="0"/>
+                        </a:rPr>
+                        <a:t>Ventajas</a:t>
+                      </a:r>
+                      <a:endParaRPr lang="en-US" sz="1100">
+                        <a:effectLst/>
+                        <a:latin typeface="Calibri" panose="020F0502020204030204" pitchFamily="34" charset="0"/>
+                        <a:ea typeface="Calibri" panose="020F0502020204030204" pitchFamily="34" charset="0"/>
+                        <a:cs typeface="Times New Roman" panose="02020603050405020304" pitchFamily="18" charset="0"/>
+                      </a:endParaRPr>
+                    </a:p>
+                  </a:txBody>
+                  <a:tcPr marL="68580" marR="68580" marT="0" marB="0"/>
+                </a:tc>
+                <a:tc>
+                  <a:txBody>
+                    <a:bodyPr/>
+                    <a:lstStyle/>
+                    <a:p>
+                      <a:pPr>
+                        <a:lnSpc>
+                          <a:spcPct val="107000"/>
+                        </a:lnSpc>
+                        <a:spcAft>
+                          <a:spcPts val="0"/>
+                        </a:spcAft>
+                        <a:tabLst>
+                          <a:tab pos="1381125" algn="l"/>
+                        </a:tabLst>
+                      </a:pPr>
+                      <a:r>
+                        <a:rPr lang="es-AR" sz="1200">
+                          <a:solidFill>
+                            <a:srgbClr val="000000"/>
+                          </a:solidFill>
+                          <a:effectLst/>
+                          <a:latin typeface="Calibri" panose="020F0502020204030204" pitchFamily="34" charset="0"/>
+                          <a:ea typeface="Calibri" panose="020F0502020204030204" pitchFamily="34" charset="0"/>
+                          <a:cs typeface="Calibri" panose="020F0502020204030204" pitchFamily="34" charset="0"/>
+                        </a:rPr>
+                        <a:t>*Fácil implementación.</a:t>
+                      </a:r>
+                      <a:endParaRPr lang="en-US" sz="1100">
+                        <a:effectLst/>
+                        <a:latin typeface="Calibri" panose="020F0502020204030204" pitchFamily="34" charset="0"/>
+                        <a:ea typeface="Calibri" panose="020F0502020204030204" pitchFamily="34" charset="0"/>
+                        <a:cs typeface="Times New Roman" panose="02020603050405020304" pitchFamily="18" charset="0"/>
+                      </a:endParaRPr>
+                    </a:p>
+                    <a:p>
+                      <a:pPr>
+                        <a:lnSpc>
+                          <a:spcPct val="107000"/>
+                        </a:lnSpc>
+                        <a:spcAft>
+                          <a:spcPts val="0"/>
+                        </a:spcAft>
+                        <a:tabLst>
+                          <a:tab pos="1381125" algn="l"/>
+                        </a:tabLst>
+                      </a:pPr>
+                      <a:r>
+                        <a:rPr lang="es-AR" sz="1200">
+                          <a:solidFill>
+                            <a:srgbClr val="000000"/>
+                          </a:solidFill>
+                          <a:effectLst/>
+                          <a:latin typeface="Calibri" panose="020F0502020204030204" pitchFamily="34" charset="0"/>
+                          <a:ea typeface="Calibri" panose="020F0502020204030204" pitchFamily="34" charset="0"/>
+                          <a:cs typeface="Calibri" panose="020F0502020204030204" pitchFamily="34" charset="0"/>
+                        </a:rPr>
+                        <a:t> </a:t>
+                      </a:r>
+                      <a:endParaRPr lang="en-US" sz="1100">
+                        <a:effectLst/>
+                        <a:latin typeface="Calibri" panose="020F0502020204030204" pitchFamily="34" charset="0"/>
+                        <a:ea typeface="Calibri" panose="020F0502020204030204" pitchFamily="34" charset="0"/>
+                        <a:cs typeface="Times New Roman" panose="02020603050405020304" pitchFamily="18" charset="0"/>
+                      </a:endParaRPr>
+                    </a:p>
+                    <a:p>
+                      <a:pPr>
+                        <a:lnSpc>
+                          <a:spcPct val="107000"/>
+                        </a:lnSpc>
+                        <a:spcAft>
+                          <a:spcPts val="0"/>
+                        </a:spcAft>
+                        <a:tabLst>
+                          <a:tab pos="1381125" algn="l"/>
+                        </a:tabLst>
+                      </a:pPr>
+                      <a:r>
+                        <a:rPr lang="es-AR" sz="1200">
+                          <a:solidFill>
+                            <a:srgbClr val="000000"/>
+                          </a:solidFill>
+                          <a:effectLst/>
+                          <a:latin typeface="Calibri" panose="020F0502020204030204" pitchFamily="34" charset="0"/>
+                          <a:ea typeface="Calibri" panose="020F0502020204030204" pitchFamily="34" charset="0"/>
+                          <a:cs typeface="Calibri" panose="020F0502020204030204" pitchFamily="34" charset="0"/>
+                        </a:rPr>
+                        <a:t>*No requiere memoria adicional.</a:t>
+                      </a:r>
+                      <a:endParaRPr lang="en-US" sz="1100">
+                        <a:effectLst/>
+                        <a:latin typeface="Calibri" panose="020F0502020204030204" pitchFamily="34" charset="0"/>
+                        <a:ea typeface="Calibri" panose="020F0502020204030204" pitchFamily="34" charset="0"/>
+                        <a:cs typeface="Times New Roman" panose="02020603050405020304" pitchFamily="18" charset="0"/>
+                      </a:endParaRPr>
+                    </a:p>
+                  </a:txBody>
+                  <a:tcPr marL="68580" marR="68580" marT="0" marB="0"/>
+                </a:tc>
+                <a:tc>
+                  <a:txBody>
+                    <a:bodyPr/>
+                    <a:lstStyle/>
+                    <a:p>
+                      <a:pPr>
+                        <a:lnSpc>
+                          <a:spcPct val="107000"/>
+                        </a:lnSpc>
+                        <a:spcAft>
+                          <a:spcPts val="0"/>
+                        </a:spcAft>
+                        <a:tabLst>
+                          <a:tab pos="1381125" algn="l"/>
+                        </a:tabLst>
+                      </a:pPr>
+                      <a:r>
+                        <a:rPr lang="es-AR" sz="1200">
+                          <a:solidFill>
+                            <a:srgbClr val="000000"/>
+                          </a:solidFill>
+                          <a:effectLst/>
+                          <a:latin typeface="Calibri" panose="020F0502020204030204" pitchFamily="34" charset="0"/>
+                          <a:ea typeface="Calibri" panose="020F0502020204030204" pitchFamily="34" charset="0"/>
+                          <a:cs typeface="Calibri" panose="020F0502020204030204" pitchFamily="34" charset="0"/>
+                        </a:rPr>
+                        <a:t>*Fácil implementación.</a:t>
+                      </a:r>
+                      <a:endParaRPr lang="en-US" sz="1100">
+                        <a:effectLst/>
+                        <a:latin typeface="Calibri" panose="020F0502020204030204" pitchFamily="34" charset="0"/>
+                        <a:ea typeface="Calibri" panose="020F0502020204030204" pitchFamily="34" charset="0"/>
+                        <a:cs typeface="Times New Roman" panose="02020603050405020304" pitchFamily="18" charset="0"/>
+                      </a:endParaRPr>
+                    </a:p>
+                    <a:p>
+                      <a:pPr>
+                        <a:lnSpc>
+                          <a:spcPct val="107000"/>
+                        </a:lnSpc>
+                        <a:spcAft>
+                          <a:spcPts val="0"/>
+                        </a:spcAft>
+                        <a:tabLst>
+                          <a:tab pos="1381125" algn="l"/>
+                        </a:tabLst>
+                      </a:pPr>
+                      <a:r>
+                        <a:rPr lang="es-AR" sz="1200">
+                          <a:solidFill>
+                            <a:srgbClr val="000000"/>
+                          </a:solidFill>
+                          <a:effectLst/>
+                          <a:latin typeface="Calibri" panose="020F0502020204030204" pitchFamily="34" charset="0"/>
+                          <a:ea typeface="Calibri" panose="020F0502020204030204" pitchFamily="34" charset="0"/>
+                          <a:cs typeface="Calibri" panose="020F0502020204030204" pitchFamily="34" charset="0"/>
+                        </a:rPr>
+                        <a:t> </a:t>
+                      </a:r>
+                      <a:endParaRPr lang="en-US" sz="1100">
+                        <a:effectLst/>
+                        <a:latin typeface="Calibri" panose="020F0502020204030204" pitchFamily="34" charset="0"/>
+                        <a:ea typeface="Calibri" panose="020F0502020204030204" pitchFamily="34" charset="0"/>
+                        <a:cs typeface="Times New Roman" panose="02020603050405020304" pitchFamily="18" charset="0"/>
+                      </a:endParaRPr>
+                    </a:p>
+                    <a:p>
+                      <a:pPr>
+                        <a:lnSpc>
+                          <a:spcPct val="107000"/>
+                        </a:lnSpc>
+                        <a:spcAft>
+                          <a:spcPts val="0"/>
+                        </a:spcAft>
+                        <a:tabLst>
+                          <a:tab pos="1381125" algn="l"/>
+                        </a:tabLst>
+                      </a:pPr>
+                      <a:r>
+                        <a:rPr lang="es-AR" sz="1200">
+                          <a:solidFill>
+                            <a:srgbClr val="000000"/>
+                          </a:solidFill>
+                          <a:effectLst/>
+                          <a:latin typeface="Calibri" panose="020F0502020204030204" pitchFamily="34" charset="0"/>
+                          <a:ea typeface="Calibri" panose="020F0502020204030204" pitchFamily="34" charset="0"/>
+                          <a:cs typeface="Calibri" panose="020F0502020204030204" pitchFamily="34" charset="0"/>
+                        </a:rPr>
+                        <a:t>*requiere mínimos requisitos de memoria.</a:t>
+                      </a:r>
+                      <a:endParaRPr lang="en-US" sz="1100">
+                        <a:effectLst/>
+                        <a:latin typeface="Calibri" panose="020F0502020204030204" pitchFamily="34" charset="0"/>
+                        <a:ea typeface="Calibri" panose="020F0502020204030204" pitchFamily="34" charset="0"/>
+                        <a:cs typeface="Times New Roman" panose="02020603050405020304" pitchFamily="18" charset="0"/>
+                      </a:endParaRPr>
+                    </a:p>
+                  </a:txBody>
+                  <a:tcPr marL="68580" marR="68580" marT="0" marB="0"/>
+                </a:tc>
+                <a:tc>
+                  <a:txBody>
+                    <a:bodyPr/>
+                    <a:lstStyle/>
+                    <a:p>
+                      <a:pPr>
+                        <a:lnSpc>
+                          <a:spcPct val="107000"/>
+                        </a:lnSpc>
+                        <a:spcAft>
+                          <a:spcPts val="0"/>
+                        </a:spcAft>
+                        <a:tabLst>
+                          <a:tab pos="1381125" algn="l"/>
+                        </a:tabLst>
+                      </a:pPr>
+                      <a:r>
+                        <a:rPr lang="es-AR" sz="1200">
+                          <a:solidFill>
+                            <a:srgbClr val="000000"/>
+                          </a:solidFill>
+                          <a:effectLst/>
+                          <a:latin typeface="Calibri" panose="020F0502020204030204" pitchFamily="34" charset="0"/>
+                          <a:ea typeface="Calibri" panose="020F0502020204030204" pitchFamily="34" charset="0"/>
+                          <a:cs typeface="Calibri" panose="020F0502020204030204" pitchFamily="34" charset="0"/>
+                        </a:rPr>
+                        <a:t>*Rendimiento constante.</a:t>
+                      </a:r>
+                      <a:endParaRPr lang="en-US" sz="1100">
+                        <a:effectLst/>
+                        <a:latin typeface="Calibri" panose="020F0502020204030204" pitchFamily="34" charset="0"/>
+                        <a:ea typeface="Calibri" panose="020F0502020204030204" pitchFamily="34" charset="0"/>
+                        <a:cs typeface="Times New Roman" panose="02020603050405020304" pitchFamily="18" charset="0"/>
+                      </a:endParaRPr>
+                    </a:p>
+                    <a:p>
+                      <a:pPr>
+                        <a:lnSpc>
+                          <a:spcPct val="107000"/>
+                        </a:lnSpc>
+                        <a:spcAft>
+                          <a:spcPts val="0"/>
+                        </a:spcAft>
+                        <a:tabLst>
+                          <a:tab pos="1381125" algn="l"/>
+                        </a:tabLst>
+                      </a:pPr>
+                      <a:r>
+                        <a:rPr lang="es-AR" sz="1200">
+                          <a:solidFill>
+                            <a:srgbClr val="000000"/>
+                          </a:solidFill>
+                          <a:effectLst/>
+                          <a:latin typeface="Calibri" panose="020F0502020204030204" pitchFamily="34" charset="0"/>
+                          <a:ea typeface="Calibri" panose="020F0502020204030204" pitchFamily="34" charset="0"/>
+                          <a:cs typeface="Calibri" panose="020F0502020204030204" pitchFamily="34" charset="0"/>
+                        </a:rPr>
+                        <a:t> </a:t>
+                      </a:r>
+                      <a:endParaRPr lang="en-US" sz="1100">
+                        <a:effectLst/>
+                        <a:latin typeface="Calibri" panose="020F0502020204030204" pitchFamily="34" charset="0"/>
+                        <a:ea typeface="Calibri" panose="020F0502020204030204" pitchFamily="34" charset="0"/>
+                        <a:cs typeface="Times New Roman" panose="02020603050405020304" pitchFamily="18" charset="0"/>
+                      </a:endParaRPr>
+                    </a:p>
+                    <a:p>
+                      <a:pPr>
+                        <a:lnSpc>
+                          <a:spcPct val="107000"/>
+                        </a:lnSpc>
+                        <a:spcAft>
+                          <a:spcPts val="0"/>
+                        </a:spcAft>
+                        <a:tabLst>
+                          <a:tab pos="1381125" algn="l"/>
+                        </a:tabLst>
+                      </a:pPr>
+                      <a:r>
+                        <a:rPr lang="es-AR" sz="1200">
+                          <a:solidFill>
+                            <a:srgbClr val="000000"/>
+                          </a:solidFill>
+                          <a:effectLst/>
+                          <a:latin typeface="Calibri" panose="020F0502020204030204" pitchFamily="34" charset="0"/>
+                          <a:ea typeface="Calibri" panose="020F0502020204030204" pitchFamily="34" charset="0"/>
+                          <a:cs typeface="Calibri" panose="020F0502020204030204" pitchFamily="34" charset="0"/>
+                        </a:rPr>
+                        <a:t>*Poca diferencia entre el mejor y peor caso.</a:t>
+                      </a:r>
+                      <a:endParaRPr lang="en-US" sz="1100">
+                        <a:effectLst/>
+                        <a:latin typeface="Calibri" panose="020F0502020204030204" pitchFamily="34" charset="0"/>
+                        <a:ea typeface="Calibri" panose="020F0502020204030204" pitchFamily="34" charset="0"/>
+                        <a:cs typeface="Times New Roman" panose="02020603050405020304" pitchFamily="18" charset="0"/>
+                      </a:endParaRPr>
+                    </a:p>
+                  </a:txBody>
+                  <a:tcPr marL="68580" marR="68580" marT="0" marB="0"/>
+                </a:tc>
+                <a:tc>
+                  <a:txBody>
+                    <a:bodyPr/>
+                    <a:lstStyle/>
+                    <a:p>
+                      <a:pPr>
+                        <a:lnSpc>
+                          <a:spcPct val="107000"/>
+                        </a:lnSpc>
+                        <a:spcAft>
+                          <a:spcPts val="0"/>
+                        </a:spcAft>
+                        <a:tabLst>
+                          <a:tab pos="1381125" algn="l"/>
+                        </a:tabLst>
+                      </a:pPr>
+                      <a:r>
+                        <a:rPr lang="es-AR" sz="1200">
+                          <a:solidFill>
+                            <a:srgbClr val="000000"/>
+                          </a:solidFill>
+                          <a:effectLst/>
+                          <a:latin typeface="Calibri" panose="020F0502020204030204" pitchFamily="34" charset="0"/>
+                          <a:ea typeface="Calibri" panose="020F0502020204030204" pitchFamily="34" charset="0"/>
+                          <a:cs typeface="Calibri" panose="020F0502020204030204" pitchFamily="34" charset="0"/>
+                        </a:rPr>
+                        <a:t>*Rápida ejecución.</a:t>
+                      </a:r>
+                      <a:endParaRPr lang="en-US" sz="1100">
+                        <a:effectLst/>
+                        <a:latin typeface="Calibri" panose="020F0502020204030204" pitchFamily="34" charset="0"/>
+                        <a:ea typeface="Calibri" panose="020F0502020204030204" pitchFamily="34" charset="0"/>
+                        <a:cs typeface="Times New Roman" panose="02020603050405020304" pitchFamily="18" charset="0"/>
+                      </a:endParaRPr>
+                    </a:p>
+                    <a:p>
+                      <a:pPr>
+                        <a:lnSpc>
+                          <a:spcPct val="107000"/>
+                        </a:lnSpc>
+                        <a:spcAft>
+                          <a:spcPts val="0"/>
+                        </a:spcAft>
+                        <a:tabLst>
+                          <a:tab pos="1381125" algn="l"/>
+                        </a:tabLst>
+                      </a:pPr>
+                      <a:r>
+                        <a:rPr lang="es-AR" sz="1200">
+                          <a:solidFill>
+                            <a:srgbClr val="000000"/>
+                          </a:solidFill>
+                          <a:effectLst/>
+                          <a:latin typeface="Calibri" panose="020F0502020204030204" pitchFamily="34" charset="0"/>
+                          <a:ea typeface="Calibri" panose="020F0502020204030204" pitchFamily="34" charset="0"/>
+                          <a:cs typeface="Calibri" panose="020F0502020204030204" pitchFamily="34" charset="0"/>
+                        </a:rPr>
+                        <a:t> </a:t>
+                      </a:r>
+                      <a:endParaRPr lang="en-US" sz="1100">
+                        <a:effectLst/>
+                        <a:latin typeface="Calibri" panose="020F0502020204030204" pitchFamily="34" charset="0"/>
+                        <a:ea typeface="Calibri" panose="020F0502020204030204" pitchFamily="34" charset="0"/>
+                        <a:cs typeface="Times New Roman" panose="02020603050405020304" pitchFamily="18" charset="0"/>
+                      </a:endParaRPr>
+                    </a:p>
+                    <a:p>
+                      <a:pPr>
+                        <a:lnSpc>
+                          <a:spcPct val="107000"/>
+                        </a:lnSpc>
+                        <a:spcAft>
+                          <a:spcPts val="0"/>
+                        </a:spcAft>
+                        <a:tabLst>
+                          <a:tab pos="1381125" algn="l"/>
+                        </a:tabLst>
+                      </a:pPr>
+                      <a:r>
+                        <a:rPr lang="es-AR" sz="1200">
+                          <a:solidFill>
+                            <a:srgbClr val="000000"/>
+                          </a:solidFill>
+                          <a:effectLst/>
+                          <a:latin typeface="Calibri" panose="020F0502020204030204" pitchFamily="34" charset="0"/>
+                          <a:ea typeface="Calibri" panose="020F0502020204030204" pitchFamily="34" charset="0"/>
+                          <a:cs typeface="Calibri" panose="020F0502020204030204" pitchFamily="34" charset="0"/>
+                        </a:rPr>
+                        <a:t>*No requiere memoria adicional.</a:t>
+                      </a:r>
+                      <a:endParaRPr lang="en-US" sz="1100">
+                        <a:effectLst/>
+                        <a:latin typeface="Calibri" panose="020F0502020204030204" pitchFamily="34" charset="0"/>
+                        <a:ea typeface="Calibri" panose="020F0502020204030204" pitchFamily="34" charset="0"/>
+                        <a:cs typeface="Times New Roman" panose="02020603050405020304" pitchFamily="18" charset="0"/>
+                      </a:endParaRPr>
+                    </a:p>
+                  </a:txBody>
+                  <a:tcPr marL="68580" marR="68580" marT="0" marB="0"/>
+                </a:tc>
+                <a:tc>
+                  <a:txBody>
+                    <a:bodyPr/>
+                    <a:lstStyle/>
+                    <a:p>
+                      <a:pPr>
+                        <a:lnSpc>
+                          <a:spcPct val="107000"/>
+                        </a:lnSpc>
+                        <a:spcAft>
+                          <a:spcPts val="0"/>
+                        </a:spcAft>
+                        <a:tabLst>
+                          <a:tab pos="1381125" algn="l"/>
+                        </a:tabLst>
+                      </a:pPr>
+                      <a:r>
+                        <a:rPr lang="es-AR" sz="1200">
+                          <a:solidFill>
+                            <a:srgbClr val="000000"/>
+                          </a:solidFill>
+                          <a:effectLst/>
+                          <a:latin typeface="Calibri" panose="020F0502020204030204" pitchFamily="34" charset="0"/>
+                          <a:ea typeface="Calibri" panose="020F0502020204030204" pitchFamily="34" charset="0"/>
+                          <a:cs typeface="Calibri" panose="020F0502020204030204" pitchFamily="34" charset="0"/>
+                        </a:rPr>
+                        <a:t>*Ejecución eficiente.</a:t>
+                      </a:r>
+                      <a:endParaRPr lang="en-US" sz="1100">
+                        <a:effectLst/>
+                        <a:latin typeface="Calibri" panose="020F0502020204030204" pitchFamily="34" charset="0"/>
+                        <a:ea typeface="Calibri" panose="020F0502020204030204" pitchFamily="34" charset="0"/>
+                        <a:cs typeface="Times New Roman" panose="02020603050405020304" pitchFamily="18" charset="0"/>
+                      </a:endParaRPr>
+                    </a:p>
+                  </a:txBody>
+                  <a:tcPr marL="68580" marR="68580" marT="0" marB="0"/>
+                </a:tc>
+                <a:extLst>
+                  <a:ext uri="{0D108BD9-81ED-4DB2-BD59-A6C34878D82A}">
+                    <a16:rowId xmlns:a16="http://schemas.microsoft.com/office/drawing/2014/main" val="2873403851"/>
+                  </a:ext>
+                </a:extLst>
+              </a:tr>
+              <a:tr h="1138997">
+                <a:tc>
+                  <a:txBody>
+                    <a:bodyPr/>
+                    <a:lstStyle/>
+                    <a:p>
+                      <a:pPr>
+                        <a:lnSpc>
+                          <a:spcPct val="107000"/>
+                        </a:lnSpc>
+                        <a:spcAft>
+                          <a:spcPts val="0"/>
+                        </a:spcAft>
+                        <a:tabLst>
+                          <a:tab pos="1381125" algn="l"/>
+                        </a:tabLst>
+                      </a:pPr>
+                      <a:r>
+                        <a:rPr lang="es-AR" sz="1400" b="1">
+                          <a:solidFill>
+                            <a:srgbClr val="000000"/>
+                          </a:solidFill>
+                          <a:effectLst/>
+                          <a:latin typeface="Calibri" panose="020F0502020204030204" pitchFamily="34" charset="0"/>
+                          <a:ea typeface="Calibri" panose="020F0502020204030204" pitchFamily="34" charset="0"/>
+                          <a:cs typeface="Calibri" panose="020F0502020204030204" pitchFamily="34" charset="0"/>
+                        </a:rPr>
+                        <a:t>Desventajas</a:t>
+                      </a:r>
+                      <a:endParaRPr lang="en-US" sz="1100">
+                        <a:effectLst/>
+                        <a:latin typeface="Calibri" panose="020F0502020204030204" pitchFamily="34" charset="0"/>
+                        <a:ea typeface="Calibri" panose="020F0502020204030204" pitchFamily="34" charset="0"/>
+                        <a:cs typeface="Times New Roman" panose="02020603050405020304" pitchFamily="18" charset="0"/>
+                      </a:endParaRPr>
+                    </a:p>
+                  </a:txBody>
+                  <a:tcPr marL="68580" marR="68580" marT="0" marB="0"/>
+                </a:tc>
+                <a:tc>
+                  <a:txBody>
+                    <a:bodyPr/>
+                    <a:lstStyle/>
+                    <a:p>
+                      <a:pPr>
+                        <a:lnSpc>
+                          <a:spcPct val="107000"/>
+                        </a:lnSpc>
+                        <a:spcAft>
+                          <a:spcPts val="0"/>
+                        </a:spcAft>
+                        <a:tabLst>
+                          <a:tab pos="1381125" algn="l"/>
+                        </a:tabLst>
+                      </a:pPr>
+                      <a:r>
+                        <a:rPr lang="es-AR" sz="1200">
+                          <a:solidFill>
+                            <a:srgbClr val="000000"/>
+                          </a:solidFill>
+                          <a:effectLst/>
+                          <a:latin typeface="Calibri" panose="020F0502020204030204" pitchFamily="34" charset="0"/>
+                          <a:ea typeface="Calibri" panose="020F0502020204030204" pitchFamily="34" charset="0"/>
+                          <a:cs typeface="Calibri" panose="020F0502020204030204" pitchFamily="34" charset="0"/>
+                        </a:rPr>
+                        <a:t>*Realiza numerosas comparaciones.</a:t>
+                      </a:r>
+                      <a:endParaRPr lang="en-US" sz="1100">
+                        <a:effectLst/>
+                        <a:latin typeface="Calibri" panose="020F0502020204030204" pitchFamily="34" charset="0"/>
+                        <a:ea typeface="Calibri" panose="020F0502020204030204" pitchFamily="34" charset="0"/>
+                        <a:cs typeface="Times New Roman" panose="02020603050405020304" pitchFamily="18" charset="0"/>
+                      </a:endParaRPr>
+                    </a:p>
+                    <a:p>
+                      <a:pPr>
+                        <a:lnSpc>
+                          <a:spcPct val="107000"/>
+                        </a:lnSpc>
+                        <a:spcAft>
+                          <a:spcPts val="0"/>
+                        </a:spcAft>
+                        <a:tabLst>
+                          <a:tab pos="1381125" algn="l"/>
+                        </a:tabLst>
+                      </a:pPr>
+                      <a:r>
+                        <a:rPr lang="es-AR" sz="1200">
+                          <a:solidFill>
+                            <a:srgbClr val="000000"/>
+                          </a:solidFill>
+                          <a:effectLst/>
+                          <a:latin typeface="Calibri" panose="020F0502020204030204" pitchFamily="34" charset="0"/>
+                          <a:ea typeface="Calibri" panose="020F0502020204030204" pitchFamily="34" charset="0"/>
+                          <a:cs typeface="Calibri" panose="020F0502020204030204" pitchFamily="34" charset="0"/>
+                        </a:rPr>
+                        <a:t> </a:t>
+                      </a:r>
+                      <a:endParaRPr lang="en-US" sz="1100">
+                        <a:effectLst/>
+                        <a:latin typeface="Calibri" panose="020F0502020204030204" pitchFamily="34" charset="0"/>
+                        <a:ea typeface="Calibri" panose="020F0502020204030204" pitchFamily="34" charset="0"/>
+                        <a:cs typeface="Times New Roman" panose="02020603050405020304" pitchFamily="18" charset="0"/>
+                      </a:endParaRPr>
+                    </a:p>
+                    <a:p>
+                      <a:pPr>
+                        <a:lnSpc>
+                          <a:spcPct val="107000"/>
+                        </a:lnSpc>
+                        <a:spcAft>
+                          <a:spcPts val="0"/>
+                        </a:spcAft>
+                        <a:tabLst>
+                          <a:tab pos="1381125" algn="l"/>
+                        </a:tabLst>
+                      </a:pPr>
+                      <a:r>
+                        <a:rPr lang="es-AR" sz="1200">
+                          <a:solidFill>
+                            <a:srgbClr val="000000"/>
+                          </a:solidFill>
+                          <a:effectLst/>
+                          <a:latin typeface="Calibri" panose="020F0502020204030204" pitchFamily="34" charset="0"/>
+                          <a:ea typeface="Calibri" panose="020F0502020204030204" pitchFamily="34" charset="0"/>
+                          <a:cs typeface="Calibri" panose="020F0502020204030204" pitchFamily="34" charset="0"/>
+                        </a:rPr>
+                        <a:t>*Lento</a:t>
+                      </a:r>
+                      <a:endParaRPr lang="en-US" sz="1100">
+                        <a:effectLst/>
+                        <a:latin typeface="Calibri" panose="020F0502020204030204" pitchFamily="34" charset="0"/>
+                        <a:ea typeface="Calibri" panose="020F0502020204030204" pitchFamily="34" charset="0"/>
+                        <a:cs typeface="Times New Roman" panose="02020603050405020304" pitchFamily="18" charset="0"/>
+                      </a:endParaRPr>
+                    </a:p>
+                  </a:txBody>
+                  <a:tcPr marL="68580" marR="68580" marT="0" marB="0"/>
+                </a:tc>
+                <a:tc>
+                  <a:txBody>
+                    <a:bodyPr/>
+                    <a:lstStyle/>
+                    <a:p>
+                      <a:pPr>
+                        <a:lnSpc>
+                          <a:spcPct val="107000"/>
+                        </a:lnSpc>
+                        <a:spcAft>
+                          <a:spcPts val="0"/>
+                        </a:spcAft>
+                        <a:tabLst>
+                          <a:tab pos="1381125" algn="l"/>
+                        </a:tabLst>
+                      </a:pPr>
+                      <a:r>
+                        <a:rPr lang="es-AR" sz="1200">
+                          <a:solidFill>
+                            <a:srgbClr val="000000"/>
+                          </a:solidFill>
+                          <a:effectLst/>
+                          <a:latin typeface="Calibri" panose="020F0502020204030204" pitchFamily="34" charset="0"/>
+                          <a:ea typeface="Calibri" panose="020F0502020204030204" pitchFamily="34" charset="0"/>
+                          <a:cs typeface="Calibri" panose="020F0502020204030204" pitchFamily="34" charset="0"/>
+                        </a:rPr>
+                        <a:t>*Realiza numerosas comparaciones.</a:t>
+                      </a:r>
+                      <a:endParaRPr lang="en-US" sz="1100">
+                        <a:effectLst/>
+                        <a:latin typeface="Calibri" panose="020F0502020204030204" pitchFamily="34" charset="0"/>
+                        <a:ea typeface="Calibri" panose="020F0502020204030204" pitchFamily="34" charset="0"/>
+                        <a:cs typeface="Times New Roman" panose="02020603050405020304" pitchFamily="18" charset="0"/>
+                      </a:endParaRPr>
+                    </a:p>
+                    <a:p>
+                      <a:pPr>
+                        <a:lnSpc>
+                          <a:spcPct val="107000"/>
+                        </a:lnSpc>
+                        <a:spcAft>
+                          <a:spcPts val="0"/>
+                        </a:spcAft>
+                        <a:tabLst>
+                          <a:tab pos="1381125" algn="l"/>
+                        </a:tabLst>
+                      </a:pPr>
+                      <a:r>
+                        <a:rPr lang="es-AR" sz="1200">
+                          <a:solidFill>
+                            <a:srgbClr val="000000"/>
+                          </a:solidFill>
+                          <a:effectLst/>
+                          <a:latin typeface="Calibri" panose="020F0502020204030204" pitchFamily="34" charset="0"/>
+                          <a:ea typeface="Calibri" panose="020F0502020204030204" pitchFamily="34" charset="0"/>
+                          <a:cs typeface="Calibri" panose="020F0502020204030204" pitchFamily="34" charset="0"/>
+                        </a:rPr>
+                        <a:t> </a:t>
+                      </a:r>
+                      <a:endParaRPr lang="en-US" sz="1100">
+                        <a:effectLst/>
+                        <a:latin typeface="Calibri" panose="020F0502020204030204" pitchFamily="34" charset="0"/>
+                        <a:ea typeface="Calibri" panose="020F0502020204030204" pitchFamily="34" charset="0"/>
+                        <a:cs typeface="Times New Roman" panose="02020603050405020304" pitchFamily="18" charset="0"/>
+                      </a:endParaRPr>
+                    </a:p>
+                    <a:p>
+                      <a:pPr>
+                        <a:lnSpc>
+                          <a:spcPct val="107000"/>
+                        </a:lnSpc>
+                        <a:spcAft>
+                          <a:spcPts val="0"/>
+                        </a:spcAft>
+                        <a:tabLst>
+                          <a:tab pos="1381125" algn="l"/>
+                        </a:tabLst>
+                      </a:pPr>
+                      <a:r>
+                        <a:rPr lang="es-AR" sz="1200">
+                          <a:solidFill>
+                            <a:srgbClr val="000000"/>
+                          </a:solidFill>
+                          <a:effectLst/>
+                          <a:latin typeface="Calibri" panose="020F0502020204030204" pitchFamily="34" charset="0"/>
+                          <a:ea typeface="Calibri" panose="020F0502020204030204" pitchFamily="34" charset="0"/>
+                          <a:cs typeface="Calibri" panose="020F0502020204030204" pitchFamily="34" charset="0"/>
+                        </a:rPr>
+                        <a:t>*Lento</a:t>
+                      </a:r>
+                      <a:endParaRPr lang="en-US" sz="1100">
+                        <a:effectLst/>
+                        <a:latin typeface="Calibri" panose="020F0502020204030204" pitchFamily="34" charset="0"/>
+                        <a:ea typeface="Calibri" panose="020F0502020204030204" pitchFamily="34" charset="0"/>
+                        <a:cs typeface="Times New Roman" panose="02020603050405020304" pitchFamily="18" charset="0"/>
+                      </a:endParaRPr>
+                    </a:p>
+                  </a:txBody>
+                  <a:tcPr marL="68580" marR="68580" marT="0" marB="0"/>
+                </a:tc>
+                <a:tc>
+                  <a:txBody>
+                    <a:bodyPr/>
+                    <a:lstStyle/>
+                    <a:p>
+                      <a:pPr>
+                        <a:lnSpc>
+                          <a:spcPct val="107000"/>
+                        </a:lnSpc>
+                        <a:spcAft>
+                          <a:spcPts val="0"/>
+                        </a:spcAft>
+                        <a:tabLst>
+                          <a:tab pos="1381125" algn="l"/>
+                        </a:tabLst>
+                      </a:pPr>
+                      <a:r>
+                        <a:rPr lang="es-AR" sz="1200">
+                          <a:solidFill>
+                            <a:srgbClr val="000000"/>
+                          </a:solidFill>
+                          <a:effectLst/>
+                          <a:latin typeface="Calibri" panose="020F0502020204030204" pitchFamily="34" charset="0"/>
+                          <a:ea typeface="Calibri" panose="020F0502020204030204" pitchFamily="34" charset="0"/>
+                          <a:cs typeface="Calibri" panose="020F0502020204030204" pitchFamily="34" charset="0"/>
+                        </a:rPr>
+                        <a:t>*Realiza numerosas comparaciones.</a:t>
+                      </a:r>
+                      <a:endParaRPr lang="en-US" sz="1100">
+                        <a:effectLst/>
+                        <a:latin typeface="Calibri" panose="020F0502020204030204" pitchFamily="34" charset="0"/>
+                        <a:ea typeface="Calibri" panose="020F0502020204030204" pitchFamily="34" charset="0"/>
+                        <a:cs typeface="Times New Roman" panose="02020603050405020304" pitchFamily="18" charset="0"/>
+                      </a:endParaRPr>
+                    </a:p>
+                    <a:p>
+                      <a:pPr>
+                        <a:lnSpc>
+                          <a:spcPct val="107000"/>
+                        </a:lnSpc>
+                        <a:spcAft>
+                          <a:spcPts val="0"/>
+                        </a:spcAft>
+                        <a:tabLst>
+                          <a:tab pos="1381125" algn="l"/>
+                        </a:tabLst>
+                      </a:pPr>
+                      <a:r>
+                        <a:rPr lang="es-AR" sz="1200">
+                          <a:solidFill>
+                            <a:srgbClr val="000000"/>
+                          </a:solidFill>
+                          <a:effectLst/>
+                          <a:latin typeface="Calibri" panose="020F0502020204030204" pitchFamily="34" charset="0"/>
+                          <a:ea typeface="Calibri" panose="020F0502020204030204" pitchFamily="34" charset="0"/>
+                          <a:cs typeface="Calibri" panose="020F0502020204030204" pitchFamily="34" charset="0"/>
+                        </a:rPr>
+                        <a:t> </a:t>
+                      </a:r>
+                      <a:endParaRPr lang="en-US" sz="1100">
+                        <a:effectLst/>
+                        <a:latin typeface="Calibri" panose="020F0502020204030204" pitchFamily="34" charset="0"/>
+                        <a:ea typeface="Calibri" panose="020F0502020204030204" pitchFamily="34" charset="0"/>
+                        <a:cs typeface="Times New Roman" panose="02020603050405020304" pitchFamily="18" charset="0"/>
+                      </a:endParaRPr>
+                    </a:p>
+                    <a:p>
+                      <a:pPr>
+                        <a:lnSpc>
+                          <a:spcPct val="107000"/>
+                        </a:lnSpc>
+                        <a:spcAft>
+                          <a:spcPts val="0"/>
+                        </a:spcAft>
+                        <a:tabLst>
+                          <a:tab pos="1381125" algn="l"/>
+                        </a:tabLst>
+                      </a:pPr>
+                      <a:r>
+                        <a:rPr lang="es-AR" sz="1200">
+                          <a:solidFill>
+                            <a:srgbClr val="000000"/>
+                          </a:solidFill>
+                          <a:effectLst/>
+                          <a:latin typeface="Calibri" panose="020F0502020204030204" pitchFamily="34" charset="0"/>
+                          <a:ea typeface="Calibri" panose="020F0502020204030204" pitchFamily="34" charset="0"/>
+                          <a:cs typeface="Calibri" panose="020F0502020204030204" pitchFamily="34" charset="0"/>
+                        </a:rPr>
+                        <a:t>*Lento</a:t>
+                      </a:r>
+                      <a:endParaRPr lang="en-US" sz="1100">
+                        <a:effectLst/>
+                        <a:latin typeface="Calibri" panose="020F0502020204030204" pitchFamily="34" charset="0"/>
+                        <a:ea typeface="Calibri" panose="020F0502020204030204" pitchFamily="34" charset="0"/>
+                        <a:cs typeface="Times New Roman" panose="02020603050405020304" pitchFamily="18" charset="0"/>
+                      </a:endParaRPr>
+                    </a:p>
+                  </a:txBody>
+                  <a:tcPr marL="68580" marR="68580" marT="0" marB="0"/>
+                </a:tc>
+                <a:tc>
+                  <a:txBody>
+                    <a:bodyPr/>
+                    <a:lstStyle/>
+                    <a:p>
+                      <a:pPr>
+                        <a:lnSpc>
+                          <a:spcPct val="107000"/>
+                        </a:lnSpc>
+                        <a:spcAft>
+                          <a:spcPts val="0"/>
+                        </a:spcAft>
+                        <a:tabLst>
+                          <a:tab pos="1381125" algn="l"/>
+                        </a:tabLst>
+                      </a:pPr>
+                      <a:r>
+                        <a:rPr lang="es-AR" sz="1200" dirty="0">
+                          <a:solidFill>
+                            <a:srgbClr val="000000"/>
+                          </a:solidFill>
+                          <a:effectLst/>
+                          <a:latin typeface="Calibri" panose="020F0502020204030204" pitchFamily="34" charset="0"/>
+                          <a:ea typeface="Calibri" panose="020F0502020204030204" pitchFamily="34" charset="0"/>
+                          <a:cs typeface="Calibri" panose="020F0502020204030204" pitchFamily="34" charset="0"/>
+                        </a:rPr>
+                        <a:t>*Trabaja con recursividad</a:t>
+                      </a:r>
+                      <a:endParaRPr lang="en-US" sz="1100" dirty="0">
+                        <a:effectLst/>
+                        <a:latin typeface="Calibri" panose="020F0502020204030204" pitchFamily="34" charset="0"/>
+                        <a:ea typeface="Calibri" panose="020F0502020204030204" pitchFamily="34" charset="0"/>
+                        <a:cs typeface="Times New Roman" panose="02020603050405020304" pitchFamily="18" charset="0"/>
+                      </a:endParaRPr>
+                    </a:p>
+                    <a:p>
+                      <a:pPr>
+                        <a:lnSpc>
+                          <a:spcPct val="107000"/>
+                        </a:lnSpc>
+                        <a:spcAft>
+                          <a:spcPts val="0"/>
+                        </a:spcAft>
+                        <a:tabLst>
+                          <a:tab pos="1381125" algn="l"/>
+                        </a:tabLst>
+                      </a:pPr>
+                      <a:r>
+                        <a:rPr lang="es-AR" sz="1200" dirty="0">
+                          <a:solidFill>
+                            <a:srgbClr val="000000"/>
+                          </a:solidFill>
+                          <a:effectLst/>
+                          <a:latin typeface="Calibri" panose="020F0502020204030204" pitchFamily="34" charset="0"/>
+                          <a:ea typeface="Calibri" panose="020F0502020204030204" pitchFamily="34" charset="0"/>
+                          <a:cs typeface="Calibri" panose="020F0502020204030204" pitchFamily="34" charset="0"/>
+                        </a:rPr>
+                        <a:t> </a:t>
+                      </a:r>
+                      <a:endParaRPr lang="en-US" sz="1100" dirty="0">
+                        <a:effectLst/>
+                        <a:latin typeface="Calibri" panose="020F0502020204030204" pitchFamily="34" charset="0"/>
+                        <a:ea typeface="Calibri" panose="020F0502020204030204" pitchFamily="34" charset="0"/>
+                        <a:cs typeface="Times New Roman" panose="02020603050405020304" pitchFamily="18" charset="0"/>
+                      </a:endParaRPr>
+                    </a:p>
+                    <a:p>
+                      <a:pPr>
+                        <a:lnSpc>
+                          <a:spcPct val="107000"/>
+                        </a:lnSpc>
+                        <a:spcAft>
+                          <a:spcPts val="0"/>
+                        </a:spcAft>
+                        <a:tabLst>
+                          <a:tab pos="1381125" algn="l"/>
+                        </a:tabLst>
+                      </a:pPr>
+                      <a:r>
+                        <a:rPr lang="es-AR" sz="1200" dirty="0">
+                          <a:solidFill>
+                            <a:srgbClr val="000000"/>
+                          </a:solidFill>
+                          <a:effectLst/>
+                          <a:latin typeface="Calibri" panose="020F0502020204030204" pitchFamily="34" charset="0"/>
+                          <a:ea typeface="Calibri" panose="020F0502020204030204" pitchFamily="34" charset="0"/>
+                          <a:cs typeface="Calibri" panose="020F0502020204030204" pitchFamily="34" charset="0"/>
+                        </a:rPr>
+                        <a:t>*Implementación complicada</a:t>
+                      </a:r>
+                      <a:endParaRPr lang="en-US" sz="1100" dirty="0">
+                        <a:effectLst/>
+                        <a:latin typeface="Calibri" panose="020F0502020204030204" pitchFamily="34" charset="0"/>
+                        <a:ea typeface="Calibri" panose="020F0502020204030204" pitchFamily="34" charset="0"/>
+                        <a:cs typeface="Times New Roman" panose="02020603050405020304" pitchFamily="18" charset="0"/>
+                      </a:endParaRPr>
+                    </a:p>
+                  </a:txBody>
+                  <a:tcPr marL="68580" marR="68580" marT="0" marB="0"/>
+                </a:tc>
+                <a:tc>
+                  <a:txBody>
+                    <a:bodyPr/>
+                    <a:lstStyle/>
+                    <a:p>
+                      <a:pPr>
+                        <a:lnSpc>
+                          <a:spcPct val="107000"/>
+                        </a:lnSpc>
+                        <a:spcAft>
+                          <a:spcPts val="0"/>
+                        </a:spcAft>
+                        <a:tabLst>
+                          <a:tab pos="1381125" algn="l"/>
+                        </a:tabLst>
+                      </a:pPr>
+                      <a:r>
+                        <a:rPr lang="es-AR" sz="1200" dirty="0">
+                          <a:solidFill>
+                            <a:srgbClr val="000000"/>
+                          </a:solidFill>
+                          <a:effectLst/>
+                          <a:latin typeface="Calibri" panose="020F0502020204030204" pitchFamily="34" charset="0"/>
+                          <a:ea typeface="Calibri" panose="020F0502020204030204" pitchFamily="34" charset="0"/>
+                          <a:cs typeface="Calibri" panose="020F0502020204030204" pitchFamily="34" charset="0"/>
+                        </a:rPr>
+                        <a:t>*Más uso de memoria ya que divide varias listas</a:t>
+                      </a:r>
+                      <a:endParaRPr lang="en-US" sz="1100" dirty="0">
+                        <a:effectLst/>
+                        <a:latin typeface="Calibri" panose="020F0502020204030204" pitchFamily="34" charset="0"/>
+                        <a:ea typeface="Calibri" panose="020F0502020204030204" pitchFamily="34" charset="0"/>
+                        <a:cs typeface="Times New Roman" panose="02020603050405020304" pitchFamily="18" charset="0"/>
+                      </a:endParaRPr>
+                    </a:p>
+                    <a:p>
+                      <a:pPr>
+                        <a:lnSpc>
+                          <a:spcPct val="107000"/>
+                        </a:lnSpc>
+                        <a:spcAft>
+                          <a:spcPts val="0"/>
+                        </a:spcAft>
+                        <a:tabLst>
+                          <a:tab pos="1381125" algn="l"/>
+                        </a:tabLst>
+                      </a:pPr>
+                      <a:r>
+                        <a:rPr lang="es-AR" sz="1200" dirty="0">
+                          <a:solidFill>
+                            <a:srgbClr val="000000"/>
+                          </a:solidFill>
+                          <a:effectLst/>
+                          <a:latin typeface="Calibri" panose="020F0502020204030204" pitchFamily="34" charset="0"/>
+                          <a:ea typeface="Calibri" panose="020F0502020204030204" pitchFamily="34" charset="0"/>
+                          <a:cs typeface="Calibri" panose="020F0502020204030204" pitchFamily="34" charset="0"/>
+                        </a:rPr>
+                        <a:t> </a:t>
+                      </a:r>
+                      <a:endParaRPr lang="en-US" sz="1100" dirty="0">
+                        <a:effectLst/>
+                        <a:latin typeface="Calibri" panose="020F0502020204030204" pitchFamily="34" charset="0"/>
+                        <a:ea typeface="Calibri" panose="020F0502020204030204" pitchFamily="34" charset="0"/>
+                        <a:cs typeface="Times New Roman" panose="02020603050405020304" pitchFamily="18" charset="0"/>
+                      </a:endParaRPr>
+                    </a:p>
+                    <a:p>
+                      <a:pPr>
+                        <a:lnSpc>
+                          <a:spcPct val="107000"/>
+                        </a:lnSpc>
+                        <a:spcAft>
+                          <a:spcPts val="0"/>
+                        </a:spcAft>
+                        <a:tabLst>
+                          <a:tab pos="1381125" algn="l"/>
+                        </a:tabLst>
+                      </a:pPr>
+                      <a:r>
+                        <a:rPr lang="es-AR" sz="1200" dirty="0">
+                          <a:solidFill>
+                            <a:srgbClr val="000000"/>
+                          </a:solidFill>
+                          <a:effectLst/>
+                          <a:latin typeface="Calibri" panose="020F0502020204030204" pitchFamily="34" charset="0"/>
+                          <a:ea typeface="Calibri" panose="020F0502020204030204" pitchFamily="34" charset="0"/>
+                          <a:cs typeface="Calibri" panose="020F0502020204030204" pitchFamily="34" charset="0"/>
+                        </a:rPr>
+                        <a:t>*Lento</a:t>
+                      </a:r>
+                      <a:endParaRPr lang="en-US" sz="1100" dirty="0">
+                        <a:effectLst/>
+                        <a:latin typeface="Calibri" panose="020F0502020204030204" pitchFamily="34" charset="0"/>
+                        <a:ea typeface="Calibri" panose="020F0502020204030204" pitchFamily="34" charset="0"/>
+                        <a:cs typeface="Times New Roman" panose="02020603050405020304" pitchFamily="18" charset="0"/>
+                      </a:endParaRPr>
+                    </a:p>
+                  </a:txBody>
+                  <a:tcPr marL="68580" marR="68580" marT="0" marB="0"/>
+                </a:tc>
+                <a:extLst>
+                  <a:ext uri="{0D108BD9-81ED-4DB2-BD59-A6C34878D82A}">
+                    <a16:rowId xmlns:a16="http://schemas.microsoft.com/office/drawing/2014/main" val="1196517937"/>
+                  </a:ext>
+                </a:extLst>
+              </a:tr>
+            </a:tbl>
+          </a:graphicData>
+        </a:graphic>
+      </p:graphicFrame>
+    </p:spTree>
+    <p:extLst>
+      <p:ext uri="{BB962C8B-B14F-4D97-AF65-F5344CB8AC3E}">
+        <p14:creationId xmlns:p14="http://schemas.microsoft.com/office/powerpoint/2010/main" val="2866381059"/>
       </p:ext>
     </p:extLst>
   </p:cSld>
@@ -6308,6 +8192,13 @@
   <p:clrMapOvr>
     <a:masterClrMapping/>
   </p:clrMapOvr>
+  <p:timing>
+    <p:tnLst>
+      <p:par>
+        <p:cTn id="1" dur="indefinite" restart="never" nodeType="tmRoot"/>
+      </p:par>
+    </p:tnLst>
+  </p:timing>
 </p:sld>
 </file>
 
@@ -6340,7 +8231,7 @@
         </p:nvSpPr>
         <p:spPr>
           <a:xfrm>
-            <a:off x="1141413" y="1349927"/>
+            <a:off x="1141413" y="771086"/>
             <a:ext cx="9905998" cy="4371364"/>
           </a:xfrm>
         </p:spPr>
@@ -6385,6 +8276,36 @@
           </a:p>
         </p:txBody>
       </p:sp>
+      <p:pic>
+        <p:nvPicPr>
+          <p:cNvPr id="2" name="Imagen 1"/>
+          <p:cNvPicPr>
+            <a:picLocks noChangeAspect="1"/>
+          </p:cNvPicPr>
+          <p:nvPr/>
+        </p:nvPicPr>
+        <p:blipFill>
+          <a:blip r:embed="rId2">
+            <a:extLst>
+              <a:ext uri="{28A0092B-C50C-407E-A947-70E740481C1C}">
+                <a14:useLocalDpi xmlns:a14="http://schemas.microsoft.com/office/drawing/2010/main" val="0"/>
+              </a:ext>
+            </a:extLst>
+          </a:blip>
+          <a:stretch>
+            <a:fillRect/>
+          </a:stretch>
+        </p:blipFill>
+        <p:spPr>
+          <a:xfrm>
+            <a:off x="4406338" y="4575321"/>
+            <a:ext cx="3376147" cy="2019300"/>
+          </a:xfrm>
+          <a:prstGeom prst="rect">
+            <a:avLst/>
+          </a:prstGeom>
+        </p:spPr>
+      </p:pic>
     </p:spTree>
     <p:extLst>
       <p:ext uri="{BB962C8B-B14F-4D97-AF65-F5344CB8AC3E}">
@@ -6395,6 +8316,13 @@
   <p:clrMapOvr>
     <a:masterClrMapping/>
   </p:clrMapOvr>
+  <p:timing>
+    <p:tnLst>
+      <p:par>
+        <p:cTn id="1" dur="indefinite" restart="never" nodeType="tmRoot"/>
+      </p:par>
+    </p:tnLst>
+  </p:timing>
 </p:sld>
 </file>
 
@@ -6437,10 +8365,10 @@
           <a:p>
             <a:pPr algn="ctr"/>
             <a:r>
-              <a:rPr lang="es-AR" dirty="0" smtClean="0"/>
+              <a:rPr lang="es-AR" b="1" i="1" dirty="0" smtClean="0"/>
               <a:t>Tipos de algoritmo de ordenamiento</a:t>
             </a:r>
-            <a:endParaRPr lang="en-US" dirty="0"/>
+            <a:endParaRPr lang="en-US" b="1" i="1" dirty="0"/>
           </a:p>
         </p:txBody>
       </p:sp>
@@ -6457,11 +8385,13 @@
         <p:spPr>
           <a:xfrm>
             <a:off x="1141413" y="1198925"/>
-            <a:ext cx="9905998" cy="3124201"/>
+            <a:ext cx="9905998" cy="4866315"/>
           </a:xfrm>
         </p:spPr>
         <p:txBody>
-          <a:bodyPr/>
+          <a:bodyPr>
+            <a:normAutofit/>
+          </a:bodyPr>
           <a:lstStyle/>
           <a:p>
             <a:pPr marL="0" indent="0">
@@ -6469,11 +8399,82 @@
             </a:pPr>
             <a:r>
               <a:rPr lang="es-AR" dirty="0" smtClean="0"/>
-              <a:t>Existen muchos tipos de algoritmos de ordenamiento, su principal diferencia es el proceso el cual logra ordenar el vector, ya que todos tienen un mismo fin, pero el procedimiento es distinto. algunos algoritmos </a:t>
-            </a:r>
-            <a:r>
-              <a:rPr lang="es-AR" smtClean="0"/>
-              <a:t>de ordenamiento son:</a:t>
+              <a:t>Existen muchos tipos de algoritmos de ordenamiento, su principal diferencia es el proceso el cual logra ordenar el vector, ya que todos tienen un mismo fin, pero el procedimiento es distinto. algunos algoritmos de ordenamiento son</a:t>
+            </a:r>
+            <a:r>
+              <a:rPr lang="es-AR" dirty="0" smtClean="0"/>
+              <a:t>:</a:t>
+            </a:r>
+          </a:p>
+          <a:p>
+            <a:pPr marL="0" indent="0">
+              <a:buNone/>
+            </a:pPr>
+            <a:endParaRPr lang="es-AR" dirty="0" smtClean="0"/>
+          </a:p>
+          <a:p>
+            <a:pPr lvl="1"/>
+            <a:r>
+              <a:rPr lang="es-AR" dirty="0"/>
+              <a:t>Intercambio o burbuja mejorada</a:t>
+            </a:r>
+            <a:r>
+              <a:rPr lang="es-AR" dirty="0" smtClean="0"/>
+              <a:t>.</a:t>
+            </a:r>
+          </a:p>
+          <a:p>
+            <a:pPr lvl="1"/>
+            <a:r>
+              <a:rPr lang="es-AR" dirty="0">
+                <a:effectLst/>
+              </a:rPr>
+              <a:t>Inserción o método de la </a:t>
+            </a:r>
+            <a:r>
+              <a:rPr lang="es-AR" dirty="0" smtClean="0">
+                <a:effectLst/>
+              </a:rPr>
+              <a:t>baraja.</a:t>
+            </a:r>
+          </a:p>
+          <a:p>
+            <a:pPr lvl="1"/>
+            <a:r>
+              <a:rPr lang="es-AR" dirty="0">
+                <a:effectLst/>
+              </a:rPr>
+              <a:t>Selección o método </a:t>
+            </a:r>
+            <a:r>
+              <a:rPr lang="es-AR" dirty="0" smtClean="0">
+                <a:effectLst/>
+              </a:rPr>
+              <a:t>sencillo.</a:t>
+            </a:r>
+          </a:p>
+          <a:p>
+            <a:pPr lvl="1"/>
+            <a:r>
+              <a:rPr lang="es-AR" dirty="0">
+                <a:effectLst/>
+              </a:rPr>
+              <a:t>Rápido o </a:t>
+            </a:r>
+            <a:r>
+              <a:rPr lang="es-AR" dirty="0" smtClean="0">
+                <a:effectLst/>
+              </a:rPr>
+              <a:t>QuickSort.</a:t>
+            </a:r>
+          </a:p>
+          <a:p>
+            <a:pPr lvl="1"/>
+            <a:r>
+              <a:rPr lang="es-AR" dirty="0">
+                <a:effectLst/>
+              </a:rPr>
+              <a:t>Por Mezcla o MergeSort.</a:t>
             </a:r>
             <a:endParaRPr lang="es-AR" dirty="0" smtClean="0"/>
           </a:p>
@@ -6495,6 +8496,872 @@
   <p:clrMapOvr>
     <a:masterClrMapping/>
   </p:clrMapOvr>
+  <p:timing>
+    <p:tnLst>
+      <p:par>
+        <p:cTn id="1" dur="indefinite" restart="never" nodeType="tmRoot"/>
+      </p:par>
+    </p:tnLst>
+  </p:timing>
+</p:sld>
+</file>
+
+<file path=ppt/slides/slide5.xml><?xml version="1.0" encoding="utf-8"?>
+<p:sld xmlns:a="http://schemas.openxmlformats.org/drawingml/2006/main" xmlns:r="http://schemas.openxmlformats.org/officeDocument/2006/relationships" xmlns:p="http://schemas.openxmlformats.org/presentationml/2006/main">
+  <p:cSld>
+    <p:spTree>
+      <p:nvGrpSpPr>
+        <p:cNvPr id="1" name=""/>
+        <p:cNvGrpSpPr/>
+        <p:nvPr/>
+      </p:nvGrpSpPr>
+      <p:grpSpPr>
+        <a:xfrm>
+          <a:off x="0" y="0"/>
+          <a:ext cx="0" cy="0"/>
+          <a:chOff x="0" y="0"/>
+          <a:chExt cx="0" cy="0"/>
+        </a:xfrm>
+      </p:grpSpPr>
+      <p:sp>
+        <p:nvSpPr>
+          <p:cNvPr id="2" name="Título 1"/>
+          <p:cNvSpPr>
+            <a:spLocks noGrp="1"/>
+          </p:cNvSpPr>
+          <p:nvPr>
+            <p:ph type="title"/>
+          </p:nvPr>
+        </p:nvSpPr>
+        <p:spPr>
+          <a:xfrm>
+            <a:off x="1141413" y="0"/>
+            <a:ext cx="9905998" cy="1484851"/>
+          </a:xfrm>
+        </p:spPr>
+        <p:txBody>
+          <a:bodyPr/>
+          <a:lstStyle/>
+          <a:p>
+            <a:pPr algn="ctr"/>
+            <a:r>
+              <a:rPr lang="es-AR" b="1" i="1" dirty="0" smtClean="0"/>
+              <a:t>Método de intercambio o burbuja</a:t>
+            </a:r>
+            <a:endParaRPr lang="en-US" b="1" i="1" dirty="0"/>
+          </a:p>
+        </p:txBody>
+      </p:sp>
+      <p:sp>
+        <p:nvSpPr>
+          <p:cNvPr id="3" name="Marcador de contenido 2"/>
+          <p:cNvSpPr>
+            <a:spLocks noGrp="1"/>
+          </p:cNvSpPr>
+          <p:nvPr>
+            <p:ph idx="1"/>
+          </p:nvPr>
+        </p:nvSpPr>
+        <p:spPr>
+          <a:xfrm>
+            <a:off x="1141413" y="1447711"/>
+            <a:ext cx="9905998" cy="3124201"/>
+          </a:xfrm>
+        </p:spPr>
+        <p:txBody>
+          <a:bodyPr/>
+          <a:lstStyle/>
+          <a:p>
+            <a:pPr marL="0" indent="0">
+              <a:buNone/>
+            </a:pPr>
+            <a:r>
+              <a:rPr lang="es-ES" dirty="0"/>
+              <a:t>La Ordenación de burbuja (Bubble Sort en inglés) es un sencillo algoritmo de ordenamiento. Funciona revisando cada elemento de la lista que va a ser ordenada con el siguiente, intercambiándolos de posición si están en el orden equivocado. </a:t>
+            </a:r>
+          </a:p>
+          <a:p>
+            <a:pPr marL="0" indent="0">
+              <a:buNone/>
+            </a:pPr>
+            <a:r>
+              <a:rPr lang="es-ES" dirty="0"/>
+              <a:t>Es necesario revisar varias veces toda la lista hasta que no se necesiten más intercambios, lo cual significa que la lista está ordenada. Este algoritmo obtiene su nombre de la forma con la que suben por la lista los elementos durante los intercambios, como si fueran pequeñas "burbujas". </a:t>
+            </a:r>
+          </a:p>
+          <a:p>
+            <a:endParaRPr lang="en-US" dirty="0"/>
+          </a:p>
+        </p:txBody>
+      </p:sp>
+      <p:pic>
+        <p:nvPicPr>
+          <p:cNvPr id="7" name="Imagen 6"/>
+          <p:cNvPicPr>
+            <a:picLocks noChangeAspect="1"/>
+          </p:cNvPicPr>
+          <p:nvPr/>
+        </p:nvPicPr>
+        <p:blipFill>
+          <a:blip r:embed="rId2">
+            <a:extLst>
+              <a:ext uri="{28A0092B-C50C-407E-A947-70E740481C1C}">
+                <a14:useLocalDpi xmlns:a14="http://schemas.microsoft.com/office/drawing/2010/main" val="0"/>
+              </a:ext>
+            </a:extLst>
+          </a:blip>
+          <a:stretch>
+            <a:fillRect/>
+          </a:stretch>
+        </p:blipFill>
+        <p:spPr>
+          <a:xfrm>
+            <a:off x="4519291" y="4571912"/>
+            <a:ext cx="3150241" cy="1890145"/>
+          </a:xfrm>
+          <a:prstGeom prst="rect">
+            <a:avLst/>
+          </a:prstGeom>
+        </p:spPr>
+      </p:pic>
+    </p:spTree>
+    <p:extLst>
+      <p:ext uri="{BB962C8B-B14F-4D97-AF65-F5344CB8AC3E}">
+        <p14:creationId xmlns:p14="http://schemas.microsoft.com/office/powerpoint/2010/main" val="1768896335"/>
+      </p:ext>
+    </p:extLst>
+  </p:cSld>
+  <p:clrMapOvr>
+    <a:masterClrMapping/>
+  </p:clrMapOvr>
+  <p:timing>
+    <p:tnLst>
+      <p:par>
+        <p:cTn id="1" dur="indefinite" restart="never" nodeType="tmRoot"/>
+      </p:par>
+    </p:tnLst>
+  </p:timing>
+</p:sld>
+</file>
+
+<file path=ppt/slides/slide6.xml><?xml version="1.0" encoding="utf-8"?>
+<p:sld xmlns:a="http://schemas.openxmlformats.org/drawingml/2006/main" xmlns:r="http://schemas.openxmlformats.org/officeDocument/2006/relationships" xmlns:p="http://schemas.openxmlformats.org/presentationml/2006/main">
+  <p:cSld>
+    <p:spTree>
+      <p:nvGrpSpPr>
+        <p:cNvPr id="1" name=""/>
+        <p:cNvGrpSpPr/>
+        <p:nvPr/>
+      </p:nvGrpSpPr>
+      <p:grpSpPr>
+        <a:xfrm>
+          <a:off x="0" y="0"/>
+          <a:ext cx="0" cy="0"/>
+          <a:chOff x="0" y="0"/>
+          <a:chExt cx="0" cy="0"/>
+        </a:xfrm>
+      </p:grpSpPr>
+      <p:sp>
+        <p:nvSpPr>
+          <p:cNvPr id="2" name="Título 1"/>
+          <p:cNvSpPr>
+            <a:spLocks noGrp="1"/>
+          </p:cNvSpPr>
+          <p:nvPr>
+            <p:ph type="title"/>
+          </p:nvPr>
+        </p:nvSpPr>
+        <p:spPr>
+          <a:xfrm>
+            <a:off x="1141413" y="0"/>
+            <a:ext cx="9905998" cy="1484851"/>
+          </a:xfrm>
+        </p:spPr>
+        <p:txBody>
+          <a:bodyPr/>
+          <a:lstStyle/>
+          <a:p>
+            <a:pPr algn="ctr"/>
+            <a:r>
+              <a:rPr lang="es-AR" b="1" i="1" dirty="0" smtClean="0"/>
+              <a:t>Método de inserción o baraja</a:t>
+            </a:r>
+            <a:endParaRPr lang="en-US" b="1" i="1" dirty="0"/>
+          </a:p>
+        </p:txBody>
+      </p:sp>
+      <p:sp>
+        <p:nvSpPr>
+          <p:cNvPr id="3" name="Marcador de contenido 2"/>
+          <p:cNvSpPr>
+            <a:spLocks noGrp="1"/>
+          </p:cNvSpPr>
+          <p:nvPr>
+            <p:ph idx="1"/>
+          </p:nvPr>
+        </p:nvSpPr>
+        <p:spPr>
+          <a:xfrm>
+            <a:off x="1141413" y="1179263"/>
+            <a:ext cx="9905998" cy="3124201"/>
+          </a:xfrm>
+        </p:spPr>
+        <p:txBody>
+          <a:bodyPr/>
+          <a:lstStyle/>
+          <a:p>
+            <a:pPr marL="0" indent="0">
+              <a:buNone/>
+            </a:pPr>
+            <a:r>
+              <a:rPr lang="es-ES" dirty="0"/>
+              <a:t>Inicialmente se tiene un solo elemento, que obviamente es un conjunto ordenado. Después, cuando hay k elementos ordenados de menor a mayor, se toma el elemento k+1 y se compara con todos los elementos ya ordenados, deteniéndose cuando se encuentra un elemento menor (todos los elementos mayores han sido desplazados una posición a la derecha) o cuando ya no se encuentran elementos (todos los elementos fueron desplazados y este es el más pequeño). En este punto se inserta el elemento k+1 debiendo desplazarse los demás elementos.</a:t>
+            </a:r>
+            <a:endParaRPr lang="en-US" dirty="0"/>
+          </a:p>
+        </p:txBody>
+      </p:sp>
+      <p:pic>
+        <p:nvPicPr>
+          <p:cNvPr id="4" name="Imagen 3"/>
+          <p:cNvPicPr>
+            <a:picLocks noChangeAspect="1"/>
+          </p:cNvPicPr>
+          <p:nvPr/>
+        </p:nvPicPr>
+        <p:blipFill>
+          <a:blip r:embed="rId2">
+            <a:extLst>
+              <a:ext uri="{28A0092B-C50C-407E-A947-70E740481C1C}">
+                <a14:useLocalDpi xmlns:a14="http://schemas.microsoft.com/office/drawing/2010/main" val="0"/>
+              </a:ext>
+            </a:extLst>
+          </a:blip>
+          <a:stretch>
+            <a:fillRect/>
+          </a:stretch>
+        </p:blipFill>
+        <p:spPr>
+          <a:xfrm>
+            <a:off x="3928661" y="4069294"/>
+            <a:ext cx="4331501" cy="2598901"/>
+          </a:xfrm>
+          <a:prstGeom prst="rect">
+            <a:avLst/>
+          </a:prstGeom>
+        </p:spPr>
+      </p:pic>
+    </p:spTree>
+    <p:extLst>
+      <p:ext uri="{BB962C8B-B14F-4D97-AF65-F5344CB8AC3E}">
+        <p14:creationId xmlns:p14="http://schemas.microsoft.com/office/powerpoint/2010/main" val="3720053851"/>
+      </p:ext>
+    </p:extLst>
+  </p:cSld>
+  <p:clrMapOvr>
+    <a:masterClrMapping/>
+  </p:clrMapOvr>
+  <p:timing>
+    <p:tnLst>
+      <p:par>
+        <p:cTn id="1" dur="indefinite" restart="never" nodeType="tmRoot"/>
+      </p:par>
+    </p:tnLst>
+  </p:timing>
+</p:sld>
+</file>
+
+<file path=ppt/slides/slide7.xml><?xml version="1.0" encoding="utf-8"?>
+<p:sld xmlns:a="http://schemas.openxmlformats.org/drawingml/2006/main" xmlns:r="http://schemas.openxmlformats.org/officeDocument/2006/relationships" xmlns:p="http://schemas.openxmlformats.org/presentationml/2006/main">
+  <p:cSld>
+    <p:spTree>
+      <p:nvGrpSpPr>
+        <p:cNvPr id="1" name=""/>
+        <p:cNvGrpSpPr/>
+        <p:nvPr/>
+      </p:nvGrpSpPr>
+      <p:grpSpPr>
+        <a:xfrm>
+          <a:off x="0" y="0"/>
+          <a:ext cx="0" cy="0"/>
+          <a:chOff x="0" y="0"/>
+          <a:chExt cx="0" cy="0"/>
+        </a:xfrm>
+      </p:grpSpPr>
+      <p:sp>
+        <p:nvSpPr>
+          <p:cNvPr id="2" name="Título 1"/>
+          <p:cNvSpPr>
+            <a:spLocks noGrp="1"/>
+          </p:cNvSpPr>
+          <p:nvPr>
+            <p:ph type="title"/>
+          </p:nvPr>
+        </p:nvSpPr>
+        <p:spPr>
+          <a:xfrm>
+            <a:off x="1141413" y="-151002"/>
+            <a:ext cx="9905998" cy="1905000"/>
+          </a:xfrm>
+        </p:spPr>
+        <p:txBody>
+          <a:bodyPr/>
+          <a:lstStyle/>
+          <a:p>
+            <a:pPr algn="ctr"/>
+            <a:r>
+              <a:rPr lang="es-AR" b="1" i="1" dirty="0" smtClean="0"/>
+              <a:t>Método por selección o sencillo</a:t>
+            </a:r>
+            <a:endParaRPr lang="en-US" b="1" i="1" dirty="0"/>
+          </a:p>
+        </p:txBody>
+      </p:sp>
+      <p:sp>
+        <p:nvSpPr>
+          <p:cNvPr id="3" name="Marcador de contenido 2"/>
+          <p:cNvSpPr>
+            <a:spLocks noGrp="1"/>
+          </p:cNvSpPr>
+          <p:nvPr>
+            <p:ph idx="1"/>
+          </p:nvPr>
+        </p:nvSpPr>
+        <p:spPr>
+          <a:xfrm>
+            <a:off x="1141413" y="1467374"/>
+            <a:ext cx="9905998" cy="3124201"/>
+          </a:xfrm>
+        </p:spPr>
+        <p:txBody>
+          <a:bodyPr/>
+          <a:lstStyle/>
+          <a:p>
+            <a:pPr marL="0" indent="0">
+              <a:buNone/>
+            </a:pPr>
+            <a:r>
+              <a:rPr lang="es-ES" dirty="0"/>
+              <a:t>El ordenamiento por selección es un algoritmo de ordenamiento que requiere O(n2) operaciones para ordenar una lista de n </a:t>
+            </a:r>
+            <a:r>
+              <a:rPr lang="es-ES" dirty="0" smtClean="0"/>
+              <a:t>elementos. Su </a:t>
+            </a:r>
+            <a:r>
+              <a:rPr lang="es-ES" dirty="0"/>
+              <a:t>funcionamiento es el siguiente:</a:t>
+            </a:r>
+          </a:p>
+          <a:p>
+            <a:pPr lvl="1"/>
+            <a:r>
+              <a:rPr lang="es-ES" sz="1600" dirty="0"/>
+              <a:t>Buscar el mínimo elemento de la lista</a:t>
+            </a:r>
+          </a:p>
+          <a:p>
+            <a:pPr lvl="1"/>
+            <a:r>
+              <a:rPr lang="es-ES" sz="1600" dirty="0" smtClean="0"/>
+              <a:t>Intercambiarlo </a:t>
+            </a:r>
+            <a:r>
+              <a:rPr lang="es-ES" sz="1600" dirty="0"/>
+              <a:t>con el primero</a:t>
+            </a:r>
+          </a:p>
+          <a:p>
+            <a:pPr lvl="1"/>
+            <a:r>
+              <a:rPr lang="es-ES" sz="1600" dirty="0" smtClean="0"/>
+              <a:t>Buscar </a:t>
+            </a:r>
+            <a:r>
+              <a:rPr lang="es-ES" sz="1600" dirty="0"/>
+              <a:t>el siguiente mínimo en el resto de la lista</a:t>
+            </a:r>
+          </a:p>
+          <a:p>
+            <a:pPr lvl="1"/>
+            <a:r>
+              <a:rPr lang="es-ES" sz="1600" dirty="0" smtClean="0"/>
+              <a:t>Intercambiarlo </a:t>
+            </a:r>
+            <a:r>
+              <a:rPr lang="es-ES" sz="1600" dirty="0"/>
+              <a:t>con el segundo</a:t>
+            </a:r>
+          </a:p>
+          <a:p>
+            <a:endParaRPr lang="en-US" dirty="0"/>
+          </a:p>
+        </p:txBody>
+      </p:sp>
+      <p:pic>
+        <p:nvPicPr>
+          <p:cNvPr id="4" name="Imagen 3"/>
+          <p:cNvPicPr>
+            <a:picLocks noChangeAspect="1"/>
+          </p:cNvPicPr>
+          <p:nvPr/>
+        </p:nvPicPr>
+        <p:blipFill>
+          <a:blip r:embed="rId2">
+            <a:extLst>
+              <a:ext uri="{28A0092B-C50C-407E-A947-70E740481C1C}">
+                <a14:useLocalDpi xmlns:a14="http://schemas.microsoft.com/office/drawing/2010/main" val="0"/>
+              </a:ext>
+            </a:extLst>
+          </a:blip>
+          <a:stretch>
+            <a:fillRect/>
+          </a:stretch>
+        </p:blipFill>
+        <p:spPr>
+          <a:xfrm>
+            <a:off x="3830018" y="4336716"/>
+            <a:ext cx="4528788" cy="2282198"/>
+          </a:xfrm>
+          <a:prstGeom prst="rect">
+            <a:avLst/>
+          </a:prstGeom>
+        </p:spPr>
+      </p:pic>
+    </p:spTree>
+    <p:extLst>
+      <p:ext uri="{BB962C8B-B14F-4D97-AF65-F5344CB8AC3E}">
+        <p14:creationId xmlns:p14="http://schemas.microsoft.com/office/powerpoint/2010/main" val="1632772912"/>
+      </p:ext>
+    </p:extLst>
+  </p:cSld>
+  <p:clrMapOvr>
+    <a:masterClrMapping/>
+  </p:clrMapOvr>
+  <p:timing>
+    <p:tnLst>
+      <p:par>
+        <p:cTn id="1" dur="indefinite" restart="never" nodeType="tmRoot"/>
+      </p:par>
+    </p:tnLst>
+  </p:timing>
+</p:sld>
+</file>
+
+<file path=ppt/slides/slide8.xml><?xml version="1.0" encoding="utf-8"?>
+<p:sld xmlns:a="http://schemas.openxmlformats.org/drawingml/2006/main" xmlns:r="http://schemas.openxmlformats.org/officeDocument/2006/relationships" xmlns:p="http://schemas.openxmlformats.org/presentationml/2006/main">
+  <p:cSld>
+    <p:spTree>
+      <p:nvGrpSpPr>
+        <p:cNvPr id="1" name=""/>
+        <p:cNvGrpSpPr/>
+        <p:nvPr/>
+      </p:nvGrpSpPr>
+      <p:grpSpPr>
+        <a:xfrm>
+          <a:off x="0" y="0"/>
+          <a:ext cx="0" cy="0"/>
+          <a:chOff x="0" y="0"/>
+          <a:chExt cx="0" cy="0"/>
+        </a:xfrm>
+      </p:grpSpPr>
+      <p:sp>
+        <p:nvSpPr>
+          <p:cNvPr id="2" name="Título 1"/>
+          <p:cNvSpPr>
+            <a:spLocks noGrp="1"/>
+          </p:cNvSpPr>
+          <p:nvPr>
+            <p:ph type="title"/>
+          </p:nvPr>
+        </p:nvSpPr>
+        <p:spPr>
+          <a:xfrm>
+            <a:off x="1141413" y="-151002"/>
+            <a:ext cx="9905998" cy="1905000"/>
+          </a:xfrm>
+        </p:spPr>
+        <p:txBody>
+          <a:bodyPr/>
+          <a:lstStyle/>
+          <a:p>
+            <a:pPr algn="ctr"/>
+            <a:r>
+              <a:rPr lang="es-AR" b="1" i="1" dirty="0" smtClean="0"/>
+              <a:t>Método rápido o quicksort</a:t>
+            </a:r>
+            <a:endParaRPr lang="en-US" b="1" i="1" dirty="0"/>
+          </a:p>
+        </p:txBody>
+      </p:sp>
+      <p:sp>
+        <p:nvSpPr>
+          <p:cNvPr id="3" name="Marcador de contenido 2"/>
+          <p:cNvSpPr>
+            <a:spLocks noGrp="1"/>
+          </p:cNvSpPr>
+          <p:nvPr>
+            <p:ph idx="1"/>
+          </p:nvPr>
+        </p:nvSpPr>
+        <p:spPr>
+          <a:xfrm>
+            <a:off x="545284" y="1048624"/>
+            <a:ext cx="11123802" cy="3542951"/>
+          </a:xfrm>
+        </p:spPr>
+        <p:txBody>
+          <a:bodyPr>
+            <a:normAutofit/>
+          </a:bodyPr>
+          <a:lstStyle/>
+          <a:p>
+            <a:pPr marL="0" indent="0">
+              <a:buNone/>
+            </a:pPr>
+            <a:r>
+              <a:rPr lang="es-AR" sz="2200" dirty="0">
+                <a:effectLst/>
+              </a:rPr>
+              <a:t>El algoritmo trabaja de la siguiente forma:</a:t>
+            </a:r>
+            <a:endParaRPr lang="en-US" sz="2200" dirty="0">
+              <a:effectLst/>
+            </a:endParaRPr>
+          </a:p>
+          <a:p>
+            <a:pPr marL="0" indent="0">
+              <a:buNone/>
+            </a:pPr>
+            <a:r>
+              <a:rPr lang="es-AR" dirty="0">
+                <a:effectLst/>
+              </a:rPr>
+              <a:t> </a:t>
+            </a:r>
+            <a:endParaRPr lang="en-US" sz="1800" dirty="0">
+              <a:effectLst/>
+            </a:endParaRPr>
+          </a:p>
+          <a:p>
+            <a:pPr lvl="1"/>
+            <a:r>
+              <a:rPr lang="es-AR" dirty="0" smtClean="0">
+                <a:effectLst/>
+              </a:rPr>
+              <a:t>Elegir </a:t>
+            </a:r>
+            <a:r>
+              <a:rPr lang="es-AR" dirty="0">
+                <a:effectLst/>
+              </a:rPr>
+              <a:t>un elemento del conjunto de elementos a ordenar, al que llamaremos pivote.</a:t>
+            </a:r>
+            <a:endParaRPr lang="en-US" dirty="0">
+              <a:effectLst/>
+            </a:endParaRPr>
+          </a:p>
+          <a:p>
+            <a:pPr lvl="1"/>
+            <a:r>
+              <a:rPr lang="es-AR" dirty="0" smtClean="0">
+                <a:effectLst/>
+              </a:rPr>
+              <a:t>Resituar </a:t>
+            </a:r>
+            <a:r>
+              <a:rPr lang="es-AR" dirty="0">
+                <a:effectLst/>
+              </a:rPr>
+              <a:t>los demás elementos de la lista a cada lado del pivote, de manera que a un lado queden todos los menores que él, y al otro los mayores. </a:t>
+            </a:r>
+            <a:r>
+              <a:rPr lang="es-AR" dirty="0" smtClean="0">
+                <a:effectLst/>
+              </a:rPr>
+              <a:t>La </a:t>
+            </a:r>
+            <a:r>
+              <a:rPr lang="es-AR" dirty="0">
+                <a:effectLst/>
+              </a:rPr>
+              <a:t>lista queda separada en dos sublistas, una formada por los elementos a la izquierda del pivote, y otra por los elementos a su derecha.</a:t>
+            </a:r>
+            <a:endParaRPr lang="en-US" dirty="0">
+              <a:effectLst/>
+            </a:endParaRPr>
+          </a:p>
+          <a:p>
+            <a:pPr lvl="1"/>
+            <a:r>
+              <a:rPr lang="es-AR" dirty="0" smtClean="0">
+                <a:effectLst/>
+              </a:rPr>
+              <a:t>Repetir </a:t>
+            </a:r>
+            <a:r>
+              <a:rPr lang="es-AR" dirty="0">
+                <a:effectLst/>
+              </a:rPr>
+              <a:t>este proceso de forma recursiva para cada sublistas mientras éstas contengan más de un elemento. Una vez terminado este proceso todos los elementos estarán ordenados.</a:t>
+            </a:r>
+            <a:endParaRPr lang="en-US" dirty="0">
+              <a:effectLst/>
+            </a:endParaRPr>
+          </a:p>
+          <a:p>
+            <a:endParaRPr lang="en-US" dirty="0"/>
+          </a:p>
+        </p:txBody>
+      </p:sp>
+      <p:pic>
+        <p:nvPicPr>
+          <p:cNvPr id="5" name="Imagen 4"/>
+          <p:cNvPicPr>
+            <a:picLocks noChangeAspect="1"/>
+          </p:cNvPicPr>
+          <p:nvPr/>
+        </p:nvPicPr>
+        <p:blipFill>
+          <a:blip r:embed="rId2">
+            <a:extLst>
+              <a:ext uri="{28A0092B-C50C-407E-A947-70E740481C1C}">
+                <a14:useLocalDpi xmlns:a14="http://schemas.microsoft.com/office/drawing/2010/main" val="0"/>
+              </a:ext>
+            </a:extLst>
+          </a:blip>
+          <a:stretch>
+            <a:fillRect/>
+          </a:stretch>
+        </p:blipFill>
+        <p:spPr>
+          <a:xfrm>
+            <a:off x="4191785" y="4257936"/>
+            <a:ext cx="3830799" cy="2298479"/>
+          </a:xfrm>
+          <a:prstGeom prst="rect">
+            <a:avLst/>
+          </a:prstGeom>
+        </p:spPr>
+      </p:pic>
+    </p:spTree>
+    <p:extLst>
+      <p:ext uri="{BB962C8B-B14F-4D97-AF65-F5344CB8AC3E}">
+        <p14:creationId xmlns:p14="http://schemas.microsoft.com/office/powerpoint/2010/main" val="1981592187"/>
+      </p:ext>
+    </p:extLst>
+  </p:cSld>
+  <p:clrMapOvr>
+    <a:masterClrMapping/>
+  </p:clrMapOvr>
+  <p:timing>
+    <p:tnLst>
+      <p:par>
+        <p:cTn id="1" dur="indefinite" restart="never" nodeType="tmRoot"/>
+      </p:par>
+    </p:tnLst>
+  </p:timing>
+</p:sld>
+</file>
+
+<file path=ppt/slides/slide9.xml><?xml version="1.0" encoding="utf-8"?>
+<p:sld xmlns:a="http://schemas.openxmlformats.org/drawingml/2006/main" xmlns:r="http://schemas.openxmlformats.org/officeDocument/2006/relationships" xmlns:p="http://schemas.openxmlformats.org/presentationml/2006/main">
+  <p:cSld>
+    <p:spTree>
+      <p:nvGrpSpPr>
+        <p:cNvPr id="1" name=""/>
+        <p:cNvGrpSpPr/>
+        <p:nvPr/>
+      </p:nvGrpSpPr>
+      <p:grpSpPr>
+        <a:xfrm>
+          <a:off x="0" y="0"/>
+          <a:ext cx="0" cy="0"/>
+          <a:chOff x="0" y="0"/>
+          <a:chExt cx="0" cy="0"/>
+        </a:xfrm>
+      </p:grpSpPr>
+      <p:sp>
+        <p:nvSpPr>
+          <p:cNvPr id="2" name="Título 1"/>
+          <p:cNvSpPr>
+            <a:spLocks noGrp="1"/>
+          </p:cNvSpPr>
+          <p:nvPr>
+            <p:ph type="title"/>
+          </p:nvPr>
+        </p:nvSpPr>
+        <p:spPr>
+          <a:xfrm>
+            <a:off x="1141413" y="-151002"/>
+            <a:ext cx="9905998" cy="1905000"/>
+          </a:xfrm>
+        </p:spPr>
+        <p:txBody>
+          <a:bodyPr/>
+          <a:lstStyle/>
+          <a:p>
+            <a:pPr algn="ctr"/>
+            <a:r>
+              <a:rPr lang="es-AR" b="1" i="1" dirty="0" smtClean="0"/>
+              <a:t>Método por mezcla o MergeSort</a:t>
+            </a:r>
+            <a:endParaRPr lang="en-US" b="1" i="1" dirty="0"/>
+          </a:p>
+        </p:txBody>
+      </p:sp>
+      <p:sp>
+        <p:nvSpPr>
+          <p:cNvPr id="3" name="Marcador de contenido 2"/>
+          <p:cNvSpPr>
+            <a:spLocks noGrp="1"/>
+          </p:cNvSpPr>
+          <p:nvPr>
+            <p:ph idx="1"/>
+          </p:nvPr>
+        </p:nvSpPr>
+        <p:spPr>
+          <a:xfrm>
+            <a:off x="638073" y="1156982"/>
+            <a:ext cx="10762565" cy="3691855"/>
+          </a:xfrm>
+        </p:spPr>
+        <p:txBody>
+          <a:bodyPr>
+            <a:normAutofit/>
+          </a:bodyPr>
+          <a:lstStyle/>
+          <a:p>
+            <a:pPr marL="0" indent="0">
+              <a:buNone/>
+            </a:pPr>
+            <a:endParaRPr lang="es-ES" dirty="0"/>
+          </a:p>
+          <a:p>
+            <a:pPr marL="0" indent="0">
+              <a:buNone/>
+            </a:pPr>
+            <a:r>
+              <a:rPr lang="es-ES" dirty="0"/>
+              <a:t>El algoritmo de ordenamiento por mezcla (merge sort en inglés) es un algoritmo de ordenamiento externo estable basado en la técnica divide y vencerás.</a:t>
+            </a:r>
+          </a:p>
+          <a:p>
+            <a:pPr marL="0" indent="0">
+              <a:buNone/>
+            </a:pPr>
+            <a:r>
+              <a:rPr lang="es-ES" dirty="0"/>
+              <a:t>Conceptualmente, el ordenamiento por mezcla funciona de la siguiente manera:</a:t>
+            </a:r>
+          </a:p>
+          <a:p>
+            <a:pPr lvl="1"/>
+            <a:r>
+              <a:rPr lang="es-ES" dirty="0" smtClean="0"/>
+              <a:t>Si </a:t>
+            </a:r>
+            <a:r>
+              <a:rPr lang="es-ES" dirty="0"/>
+              <a:t>la longitud de la lista es 0 </a:t>
+            </a:r>
+            <a:r>
+              <a:rPr lang="es-ES" dirty="0" smtClean="0"/>
+              <a:t>o </a:t>
+            </a:r>
+            <a:r>
+              <a:rPr lang="es-ES" dirty="0"/>
+              <a:t>1, entonces ya está ordenada. En otro caso:</a:t>
+            </a:r>
+          </a:p>
+          <a:p>
+            <a:pPr lvl="1"/>
+            <a:r>
+              <a:rPr lang="es-ES" dirty="0" smtClean="0"/>
+              <a:t>Dividir </a:t>
+            </a:r>
+            <a:r>
+              <a:rPr lang="es-ES" dirty="0"/>
+              <a:t>la lista desordenada en dos sublistas de aproximadamente la mitad del tamaño.</a:t>
+            </a:r>
+          </a:p>
+          <a:p>
+            <a:pPr lvl="1"/>
+            <a:r>
+              <a:rPr lang="es-ES" dirty="0" smtClean="0"/>
+              <a:t>Ordenar </a:t>
+            </a:r>
+            <a:r>
+              <a:rPr lang="es-ES" dirty="0"/>
+              <a:t>cada sublistas recursivamente aplicando el ordenamiento por mezcla.</a:t>
+            </a:r>
+          </a:p>
+          <a:p>
+            <a:pPr lvl="1"/>
+            <a:r>
+              <a:rPr lang="es-ES" dirty="0" smtClean="0"/>
+              <a:t>Mezclar </a:t>
+            </a:r>
+            <a:r>
+              <a:rPr lang="es-ES" dirty="0"/>
+              <a:t>las dos sublistas en una sola lista ordenada.</a:t>
+            </a:r>
+          </a:p>
+          <a:p>
+            <a:pPr marL="0" indent="0">
+              <a:buNone/>
+            </a:pPr>
+            <a:endParaRPr lang="en-US" dirty="0"/>
+          </a:p>
+        </p:txBody>
+      </p:sp>
+      <p:pic>
+        <p:nvPicPr>
+          <p:cNvPr id="5" name="Imagen 4"/>
+          <p:cNvPicPr>
+            <a:picLocks noChangeAspect="1"/>
+          </p:cNvPicPr>
+          <p:nvPr/>
+        </p:nvPicPr>
+        <p:blipFill>
+          <a:blip r:embed="rId2">
+            <a:extLst>
+              <a:ext uri="{28A0092B-C50C-407E-A947-70E740481C1C}">
+                <a14:useLocalDpi xmlns:a14="http://schemas.microsoft.com/office/drawing/2010/main" val="0"/>
+              </a:ext>
+            </a:extLst>
+          </a:blip>
+          <a:stretch>
+            <a:fillRect/>
+          </a:stretch>
+        </p:blipFill>
+        <p:spPr>
+          <a:xfrm>
+            <a:off x="4144157" y="4660608"/>
+            <a:ext cx="3750395" cy="2058973"/>
+          </a:xfrm>
+          <a:prstGeom prst="rect">
+            <a:avLst/>
+          </a:prstGeom>
+        </p:spPr>
+      </p:pic>
+    </p:spTree>
+    <p:extLst>
+      <p:ext uri="{BB962C8B-B14F-4D97-AF65-F5344CB8AC3E}">
+        <p14:creationId xmlns:p14="http://schemas.microsoft.com/office/powerpoint/2010/main" val="2867153178"/>
+      </p:ext>
+    </p:extLst>
+  </p:cSld>
+  <p:clrMapOvr>
+    <a:masterClrMapping/>
+  </p:clrMapOvr>
+  <p:timing>
+    <p:tnLst>
+      <p:par>
+        <p:cTn id="1" dur="indefinite" restart="never" nodeType="tmRoot"/>
+      </p:par>
+    </p:tnLst>
+  </p:timing>
 </p:sld>
 </file>
 
